--- a/기획안.pptx
+++ b/기획안.pptx
@@ -1,11 +1,14 @@
 
 <file path=ppt/presentation.xml><?xml version="1.0" encoding="utf-8"?>
-<p:presentation xmlns:a="http://schemas.openxmlformats.org/drawingml/2006/main" xmlns:r="http://schemas.openxmlformats.org/officeDocument/2006/relationships" xmlns:p="http://schemas.openxmlformats.org/presentationml/2006/main" saveSubsetFonts="1">
+<p:presentation xmlns:a="http://schemas.openxmlformats.org/drawingml/2006/main" xmlns:r="http://schemas.openxmlformats.org/officeDocument/2006/relationships" xmlns:p="http://schemas.openxmlformats.org/presentationml/2006/main">
   <p:sldMasterIdLst>
-    <p:sldMasterId id="2147483648" r:id="rId1"/>
+    <p:sldMasterId id="2147483661" r:id="rId1"/>
   </p:sldMasterIdLst>
   <p:sldIdLst>
-    <p:sldId id="256" r:id="rId2"/>
+    <p:sldId id="271" r:id="rId2"/>
+    <p:sldId id="260" r:id="rId3"/>
+    <p:sldId id="258" r:id="rId4"/>
+    <p:sldId id="270" r:id="rId5"/>
   </p:sldIdLst>
   <p:sldSz cx="12192000" cy="6858000"/>
   <p:notesSz cx="6858000" cy="9144000"/>
@@ -104,6 +107,22 @@
       </a:defRPr>
     </a:lvl9pPr>
   </p:defaultTextStyle>
+  <p:extLst>
+    <p:ext uri="{EFAFB233-063F-42B5-8137-9DF3F51BA10A}">
+      <p15:sldGuideLst xmlns:p15="http://schemas.microsoft.com/office/powerpoint/2012/main">
+        <p15:guide id="1" orient="horz" pos="2159">
+          <p15:clr>
+            <a:srgbClr val="A4A3A4"/>
+          </p15:clr>
+        </p15:guide>
+        <p15:guide id="2" pos="3839">
+          <p15:clr>
+            <a:srgbClr val="A4A3A4"/>
+          </p15:clr>
+        </p15:guide>
+      </p15:sldGuideLst>
+    </p:ext>
+  </p:extLst>
 </p:presentation>
 </file>
 
@@ -215,7 +234,7 @@
           <a:p>
             <a:r>
               <a:rPr lang="ko-KR" altLang="en-US" smtClean="0"/>
-              <a:t>마스터 부제목 스타일 편집</a:t>
+              <a:t>클릭하여 마스터 부제목 스타일 편집</a:t>
             </a:r>
             <a:endParaRPr lang="ko-KR" altLang="en-US"/>
           </a:p>
@@ -236,7 +255,7 @@
           <a:bodyPr/>
           <a:lstStyle/>
           <a:p>
-            <a:fld id="{918E6E1A-1E78-44BD-B32E-9C7B7775D66F}" type="datetimeFigureOut">
+            <a:fld id="{6A95E242-DF28-46D0-B610-7AAC9520DB54}" type="datetimeFigureOut">
               <a:rPr lang="ko-KR" altLang="en-US" smtClean="0"/>
               <a:t>2022-09-24</a:t>
             </a:fld>
@@ -278,7 +297,7 @@
           <a:bodyPr/>
           <a:lstStyle/>
           <a:p>
-            <a:fld id="{0BEFDBB8-306D-410F-9F0D-476EEAF959C1}" type="slidenum">
+            <a:fld id="{77AC68D0-3F7A-4CF9-A89F-560815D59605}" type="slidenum">
               <a:rPr lang="ko-KR" altLang="en-US" smtClean="0"/>
               <a:t>‹#›</a:t>
             </a:fld>
@@ -289,7 +308,7 @@
     </p:spTree>
     <p:extLst>
       <p:ext uri="{BB962C8B-B14F-4D97-AF65-F5344CB8AC3E}">
-        <p14:creationId xmlns:p14="http://schemas.microsoft.com/office/powerpoint/2010/main" val="2683608881"/>
+        <p14:creationId xmlns:p14="http://schemas.microsoft.com/office/powerpoint/2010/main" val="2606949816"/>
       </p:ext>
     </p:extLst>
   </p:cSld>
@@ -357,7 +376,7 @@
             <a:pPr lvl="0"/>
             <a:r>
               <a:rPr lang="ko-KR" altLang="en-US" smtClean="0"/>
-              <a:t>마스터 텍스트 스타일을 편집합니다</a:t>
+              <a:t>마스터 텍스트 스타일 편집</a:t>
             </a:r>
           </a:p>
           <a:p>
@@ -406,7 +425,7 @@
           <a:bodyPr/>
           <a:lstStyle/>
           <a:p>
-            <a:fld id="{918E6E1A-1E78-44BD-B32E-9C7B7775D66F}" type="datetimeFigureOut">
+            <a:fld id="{6A95E242-DF28-46D0-B610-7AAC9520DB54}" type="datetimeFigureOut">
               <a:rPr lang="ko-KR" altLang="en-US" smtClean="0"/>
               <a:t>2022-09-24</a:t>
             </a:fld>
@@ -448,7 +467,7 @@
           <a:bodyPr/>
           <a:lstStyle/>
           <a:p>
-            <a:fld id="{0BEFDBB8-306D-410F-9F0D-476EEAF959C1}" type="slidenum">
+            <a:fld id="{77AC68D0-3F7A-4CF9-A89F-560815D59605}" type="slidenum">
               <a:rPr lang="ko-KR" altLang="en-US" smtClean="0"/>
               <a:t>‹#›</a:t>
             </a:fld>
@@ -459,7 +478,7 @@
     </p:spTree>
     <p:extLst>
       <p:ext uri="{BB962C8B-B14F-4D97-AF65-F5344CB8AC3E}">
-        <p14:creationId xmlns:p14="http://schemas.microsoft.com/office/powerpoint/2010/main" val="454730440"/>
+        <p14:creationId xmlns:p14="http://schemas.microsoft.com/office/powerpoint/2010/main" val="2393156332"/>
       </p:ext>
     </p:extLst>
   </p:cSld>
@@ -537,7 +556,7 @@
             <a:pPr lvl="0"/>
             <a:r>
               <a:rPr lang="ko-KR" altLang="en-US" smtClean="0"/>
-              <a:t>마스터 텍스트 스타일을 편집합니다</a:t>
+              <a:t>마스터 텍스트 스타일 편집</a:t>
             </a:r>
           </a:p>
           <a:p>
@@ -586,7 +605,7 @@
           <a:bodyPr/>
           <a:lstStyle/>
           <a:p>
-            <a:fld id="{918E6E1A-1E78-44BD-B32E-9C7B7775D66F}" type="datetimeFigureOut">
+            <a:fld id="{6A95E242-DF28-46D0-B610-7AAC9520DB54}" type="datetimeFigureOut">
               <a:rPr lang="ko-KR" altLang="en-US" smtClean="0"/>
               <a:t>2022-09-24</a:t>
             </a:fld>
@@ -628,7 +647,7 @@
           <a:bodyPr/>
           <a:lstStyle/>
           <a:p>
-            <a:fld id="{0BEFDBB8-306D-410F-9F0D-476EEAF959C1}" type="slidenum">
+            <a:fld id="{77AC68D0-3F7A-4CF9-A89F-560815D59605}" type="slidenum">
               <a:rPr lang="ko-KR" altLang="en-US" smtClean="0"/>
               <a:t>‹#›</a:t>
             </a:fld>
@@ -639,7 +658,7 @@
     </p:spTree>
     <p:extLst>
       <p:ext uri="{BB962C8B-B14F-4D97-AF65-F5344CB8AC3E}">
-        <p14:creationId xmlns:p14="http://schemas.microsoft.com/office/powerpoint/2010/main" val="2782284778"/>
+        <p14:creationId xmlns:p14="http://schemas.microsoft.com/office/powerpoint/2010/main" val="1168494804"/>
       </p:ext>
     </p:extLst>
   </p:cSld>
@@ -707,7 +726,7 @@
             <a:pPr lvl="0"/>
             <a:r>
               <a:rPr lang="ko-KR" altLang="en-US" smtClean="0"/>
-              <a:t>마스터 텍스트 스타일을 편집합니다</a:t>
+              <a:t>마스터 텍스트 스타일 편집</a:t>
             </a:r>
           </a:p>
           <a:p>
@@ -756,7 +775,7 @@
           <a:bodyPr/>
           <a:lstStyle/>
           <a:p>
-            <a:fld id="{918E6E1A-1E78-44BD-B32E-9C7B7775D66F}" type="datetimeFigureOut">
+            <a:fld id="{6A95E242-DF28-46D0-B610-7AAC9520DB54}" type="datetimeFigureOut">
               <a:rPr lang="ko-KR" altLang="en-US" smtClean="0"/>
               <a:t>2022-09-24</a:t>
             </a:fld>
@@ -798,7 +817,7 @@
           <a:bodyPr/>
           <a:lstStyle/>
           <a:p>
-            <a:fld id="{0BEFDBB8-306D-410F-9F0D-476EEAF959C1}" type="slidenum">
+            <a:fld id="{77AC68D0-3F7A-4CF9-A89F-560815D59605}" type="slidenum">
               <a:rPr lang="ko-KR" altLang="en-US" smtClean="0"/>
               <a:t>‹#›</a:t>
             </a:fld>
@@ -809,7 +828,7 @@
     </p:spTree>
     <p:extLst>
       <p:ext uri="{BB962C8B-B14F-4D97-AF65-F5344CB8AC3E}">
-        <p14:creationId xmlns:p14="http://schemas.microsoft.com/office/powerpoint/2010/main" val="1937691743"/>
+        <p14:creationId xmlns:p14="http://schemas.microsoft.com/office/powerpoint/2010/main" val="2351484358"/>
       </p:ext>
     </p:extLst>
   </p:cSld>
@@ -982,7 +1001,7 @@
             <a:pPr lvl="0"/>
             <a:r>
               <a:rPr lang="ko-KR" altLang="en-US" smtClean="0"/>
-              <a:t>마스터 텍스트 스타일을 편집합니다</a:t>
+              <a:t>마스터 텍스트 스타일 편집</a:t>
             </a:r>
           </a:p>
         </p:txBody>
@@ -1002,7 +1021,7 @@
           <a:bodyPr/>
           <a:lstStyle/>
           <a:p>
-            <a:fld id="{918E6E1A-1E78-44BD-B32E-9C7B7775D66F}" type="datetimeFigureOut">
+            <a:fld id="{6A95E242-DF28-46D0-B610-7AAC9520DB54}" type="datetimeFigureOut">
               <a:rPr lang="ko-KR" altLang="en-US" smtClean="0"/>
               <a:t>2022-09-24</a:t>
             </a:fld>
@@ -1044,7 +1063,7 @@
           <a:bodyPr/>
           <a:lstStyle/>
           <a:p>
-            <a:fld id="{0BEFDBB8-306D-410F-9F0D-476EEAF959C1}" type="slidenum">
+            <a:fld id="{77AC68D0-3F7A-4CF9-A89F-560815D59605}" type="slidenum">
               <a:rPr lang="ko-KR" altLang="en-US" smtClean="0"/>
               <a:t>‹#›</a:t>
             </a:fld>
@@ -1055,7 +1074,7 @@
     </p:spTree>
     <p:extLst>
       <p:ext uri="{BB962C8B-B14F-4D97-AF65-F5344CB8AC3E}">
-        <p14:creationId xmlns:p14="http://schemas.microsoft.com/office/powerpoint/2010/main" val="1612688112"/>
+        <p14:creationId xmlns:p14="http://schemas.microsoft.com/office/powerpoint/2010/main" val="3672402405"/>
       </p:ext>
     </p:extLst>
   </p:cSld>
@@ -1128,7 +1147,7 @@
             <a:pPr lvl="0"/>
             <a:r>
               <a:rPr lang="ko-KR" altLang="en-US" smtClean="0"/>
-              <a:t>마스터 텍스트 스타일을 편집합니다</a:t>
+              <a:t>마스터 텍스트 스타일 편집</a:t>
             </a:r>
           </a:p>
           <a:p>
@@ -1185,7 +1204,7 @@
             <a:pPr lvl="0"/>
             <a:r>
               <a:rPr lang="ko-KR" altLang="en-US" smtClean="0"/>
-              <a:t>마스터 텍스트 스타일을 편집합니다</a:t>
+              <a:t>마스터 텍스트 스타일 편집</a:t>
             </a:r>
           </a:p>
           <a:p>
@@ -1234,7 +1253,7 @@
           <a:bodyPr/>
           <a:lstStyle/>
           <a:p>
-            <a:fld id="{918E6E1A-1E78-44BD-B32E-9C7B7775D66F}" type="datetimeFigureOut">
+            <a:fld id="{6A95E242-DF28-46D0-B610-7AAC9520DB54}" type="datetimeFigureOut">
               <a:rPr lang="ko-KR" altLang="en-US" smtClean="0"/>
               <a:t>2022-09-24</a:t>
             </a:fld>
@@ -1276,7 +1295,7 @@
           <a:bodyPr/>
           <a:lstStyle/>
           <a:p>
-            <a:fld id="{0BEFDBB8-306D-410F-9F0D-476EEAF959C1}" type="slidenum">
+            <a:fld id="{77AC68D0-3F7A-4CF9-A89F-560815D59605}" type="slidenum">
               <a:rPr lang="ko-KR" altLang="en-US" smtClean="0"/>
               <a:t>‹#›</a:t>
             </a:fld>
@@ -1287,7 +1306,7 @@
     </p:spTree>
     <p:extLst>
       <p:ext uri="{BB962C8B-B14F-4D97-AF65-F5344CB8AC3E}">
-        <p14:creationId xmlns:p14="http://schemas.microsoft.com/office/powerpoint/2010/main" val="1708838046"/>
+        <p14:creationId xmlns:p14="http://schemas.microsoft.com/office/powerpoint/2010/main" val="346538713"/>
       </p:ext>
     </p:extLst>
   </p:cSld>
@@ -1402,7 +1421,7 @@
             <a:pPr lvl="0"/>
             <a:r>
               <a:rPr lang="ko-KR" altLang="en-US" smtClean="0"/>
-              <a:t>마스터 텍스트 스타일을 편집합니다</a:t>
+              <a:t>마스터 텍스트 스타일 편집</a:t>
             </a:r>
           </a:p>
         </p:txBody>
@@ -1430,7 +1449,7 @@
             <a:pPr lvl="0"/>
             <a:r>
               <a:rPr lang="ko-KR" altLang="en-US" smtClean="0"/>
-              <a:t>마스터 텍스트 스타일을 편집합니다</a:t>
+              <a:t>마스터 텍스트 스타일 편집</a:t>
             </a:r>
           </a:p>
           <a:p>
@@ -1524,7 +1543,7 @@
             <a:pPr lvl="0"/>
             <a:r>
               <a:rPr lang="ko-KR" altLang="en-US" smtClean="0"/>
-              <a:t>마스터 텍스트 스타일을 편집합니다</a:t>
+              <a:t>마스터 텍스트 스타일 편집</a:t>
             </a:r>
           </a:p>
         </p:txBody>
@@ -1552,7 +1571,7 @@
             <a:pPr lvl="0"/>
             <a:r>
               <a:rPr lang="ko-KR" altLang="en-US" smtClean="0"/>
-              <a:t>마스터 텍스트 스타일을 편집합니다</a:t>
+              <a:t>마스터 텍스트 스타일 편집</a:t>
             </a:r>
           </a:p>
           <a:p>
@@ -1601,7 +1620,7 @@
           <a:bodyPr/>
           <a:lstStyle/>
           <a:p>
-            <a:fld id="{918E6E1A-1E78-44BD-B32E-9C7B7775D66F}" type="datetimeFigureOut">
+            <a:fld id="{6A95E242-DF28-46D0-B610-7AAC9520DB54}" type="datetimeFigureOut">
               <a:rPr lang="ko-KR" altLang="en-US" smtClean="0"/>
               <a:t>2022-09-24</a:t>
             </a:fld>
@@ -1643,7 +1662,7 @@
           <a:bodyPr/>
           <a:lstStyle/>
           <a:p>
-            <a:fld id="{0BEFDBB8-306D-410F-9F0D-476EEAF959C1}" type="slidenum">
+            <a:fld id="{77AC68D0-3F7A-4CF9-A89F-560815D59605}" type="slidenum">
               <a:rPr lang="ko-KR" altLang="en-US" smtClean="0"/>
               <a:t>‹#›</a:t>
             </a:fld>
@@ -1654,7 +1673,7 @@
     </p:spTree>
     <p:extLst>
       <p:ext uri="{BB962C8B-B14F-4D97-AF65-F5344CB8AC3E}">
-        <p14:creationId xmlns:p14="http://schemas.microsoft.com/office/powerpoint/2010/main" val="1487674077"/>
+        <p14:creationId xmlns:p14="http://schemas.microsoft.com/office/powerpoint/2010/main" val="570893799"/>
       </p:ext>
     </p:extLst>
   </p:cSld>
@@ -1719,7 +1738,7 @@
           <a:bodyPr/>
           <a:lstStyle/>
           <a:p>
-            <a:fld id="{918E6E1A-1E78-44BD-B32E-9C7B7775D66F}" type="datetimeFigureOut">
+            <a:fld id="{6A95E242-DF28-46D0-B610-7AAC9520DB54}" type="datetimeFigureOut">
               <a:rPr lang="ko-KR" altLang="en-US" smtClean="0"/>
               <a:t>2022-09-24</a:t>
             </a:fld>
@@ -1761,7 +1780,7 @@
           <a:bodyPr/>
           <a:lstStyle/>
           <a:p>
-            <a:fld id="{0BEFDBB8-306D-410F-9F0D-476EEAF959C1}" type="slidenum">
+            <a:fld id="{77AC68D0-3F7A-4CF9-A89F-560815D59605}" type="slidenum">
               <a:rPr lang="ko-KR" altLang="en-US" smtClean="0"/>
               <a:t>‹#›</a:t>
             </a:fld>
@@ -1772,7 +1791,7 @@
     </p:spTree>
     <p:extLst>
       <p:ext uri="{BB962C8B-B14F-4D97-AF65-F5344CB8AC3E}">
-        <p14:creationId xmlns:p14="http://schemas.microsoft.com/office/powerpoint/2010/main" val="138019488"/>
+        <p14:creationId xmlns:p14="http://schemas.microsoft.com/office/powerpoint/2010/main" val="4001011530"/>
       </p:ext>
     </p:extLst>
   </p:cSld>
@@ -1814,7 +1833,7 @@
           <a:bodyPr/>
           <a:lstStyle/>
           <a:p>
-            <a:fld id="{918E6E1A-1E78-44BD-B32E-9C7B7775D66F}" type="datetimeFigureOut">
+            <a:fld id="{6A95E242-DF28-46D0-B610-7AAC9520DB54}" type="datetimeFigureOut">
               <a:rPr lang="ko-KR" altLang="en-US" smtClean="0"/>
               <a:t>2022-09-24</a:t>
             </a:fld>
@@ -1856,7 +1875,7 @@
           <a:bodyPr/>
           <a:lstStyle/>
           <a:p>
-            <a:fld id="{0BEFDBB8-306D-410F-9F0D-476EEAF959C1}" type="slidenum">
+            <a:fld id="{77AC68D0-3F7A-4CF9-A89F-560815D59605}" type="slidenum">
               <a:rPr lang="ko-KR" altLang="en-US" smtClean="0"/>
               <a:t>‹#›</a:t>
             </a:fld>
@@ -1867,7 +1886,7 @@
     </p:spTree>
     <p:extLst>
       <p:ext uri="{BB962C8B-B14F-4D97-AF65-F5344CB8AC3E}">
-        <p14:creationId xmlns:p14="http://schemas.microsoft.com/office/powerpoint/2010/main" val="3445183887"/>
+        <p14:creationId xmlns:p14="http://schemas.microsoft.com/office/powerpoint/2010/main" val="1711288750"/>
       </p:ext>
     </p:extLst>
   </p:cSld>
@@ -1977,7 +1996,7 @@
             <a:pPr lvl="0"/>
             <a:r>
               <a:rPr lang="ko-KR" altLang="en-US" smtClean="0"/>
-              <a:t>마스터 텍스트 스타일을 편집합니다</a:t>
+              <a:t>마스터 텍스트 스타일 편집</a:t>
             </a:r>
           </a:p>
           <a:p>
@@ -2071,7 +2090,7 @@
             <a:pPr lvl="0"/>
             <a:r>
               <a:rPr lang="ko-KR" altLang="en-US" smtClean="0"/>
-              <a:t>마스터 텍스트 스타일을 편집합니다</a:t>
+              <a:t>마스터 텍스트 스타일 편집</a:t>
             </a:r>
           </a:p>
         </p:txBody>
@@ -2091,7 +2110,7 @@
           <a:bodyPr/>
           <a:lstStyle/>
           <a:p>
-            <a:fld id="{918E6E1A-1E78-44BD-B32E-9C7B7775D66F}" type="datetimeFigureOut">
+            <a:fld id="{6A95E242-DF28-46D0-B610-7AAC9520DB54}" type="datetimeFigureOut">
               <a:rPr lang="ko-KR" altLang="en-US" smtClean="0"/>
               <a:t>2022-09-24</a:t>
             </a:fld>
@@ -2133,7 +2152,7 @@
           <a:bodyPr/>
           <a:lstStyle/>
           <a:p>
-            <a:fld id="{0BEFDBB8-306D-410F-9F0D-476EEAF959C1}" type="slidenum">
+            <a:fld id="{77AC68D0-3F7A-4CF9-A89F-560815D59605}" type="slidenum">
               <a:rPr lang="ko-KR" altLang="en-US" smtClean="0"/>
               <a:t>‹#›</a:t>
             </a:fld>
@@ -2144,7 +2163,7 @@
     </p:spTree>
     <p:extLst>
       <p:ext uri="{BB962C8B-B14F-4D97-AF65-F5344CB8AC3E}">
-        <p14:creationId xmlns:p14="http://schemas.microsoft.com/office/powerpoint/2010/main" val="2688434734"/>
+        <p14:creationId xmlns:p14="http://schemas.microsoft.com/office/powerpoint/2010/main" val="185920077"/>
       </p:ext>
     </p:extLst>
   </p:cSld>
@@ -2324,7 +2343,7 @@
             <a:pPr lvl="0"/>
             <a:r>
               <a:rPr lang="ko-KR" altLang="en-US" smtClean="0"/>
-              <a:t>마스터 텍스트 스타일을 편집합니다</a:t>
+              <a:t>마스터 텍스트 스타일 편집</a:t>
             </a:r>
           </a:p>
         </p:txBody>
@@ -2344,7 +2363,7 @@
           <a:bodyPr/>
           <a:lstStyle/>
           <a:p>
-            <a:fld id="{918E6E1A-1E78-44BD-B32E-9C7B7775D66F}" type="datetimeFigureOut">
+            <a:fld id="{6A95E242-DF28-46D0-B610-7AAC9520DB54}" type="datetimeFigureOut">
               <a:rPr lang="ko-KR" altLang="en-US" smtClean="0"/>
               <a:t>2022-09-24</a:t>
             </a:fld>
@@ -2386,7 +2405,7 @@
           <a:bodyPr/>
           <a:lstStyle/>
           <a:p>
-            <a:fld id="{0BEFDBB8-306D-410F-9F0D-476EEAF959C1}" type="slidenum">
+            <a:fld id="{77AC68D0-3F7A-4CF9-A89F-560815D59605}" type="slidenum">
               <a:rPr lang="ko-KR" altLang="en-US" smtClean="0"/>
               <a:t>‹#›</a:t>
             </a:fld>
@@ -2397,7 +2416,7 @@
     </p:spTree>
     <p:extLst>
       <p:ext uri="{BB962C8B-B14F-4D97-AF65-F5344CB8AC3E}">
-        <p14:creationId xmlns:p14="http://schemas.microsoft.com/office/powerpoint/2010/main" val="3073626539"/>
+        <p14:creationId xmlns:p14="http://schemas.microsoft.com/office/powerpoint/2010/main" val="1771776568"/>
       </p:ext>
     </p:extLst>
   </p:cSld>
@@ -2490,7 +2509,7 @@
             <a:pPr lvl="0"/>
             <a:r>
               <a:rPr lang="ko-KR" altLang="en-US" smtClean="0"/>
-              <a:t>마스터 텍스트 스타일을 편집합니다</a:t>
+              <a:t>마스터 텍스트 스타일 편집</a:t>
             </a:r>
           </a:p>
           <a:p>
@@ -2557,7 +2576,7 @@
             </a:lvl1pPr>
           </a:lstStyle>
           <a:p>
-            <a:fld id="{918E6E1A-1E78-44BD-B32E-9C7B7775D66F}" type="datetimeFigureOut">
+            <a:fld id="{6A95E242-DF28-46D0-B610-7AAC9520DB54}" type="datetimeFigureOut">
               <a:rPr lang="ko-KR" altLang="en-US" smtClean="0"/>
               <a:t>2022-09-24</a:t>
             </a:fld>
@@ -2635,7 +2654,7 @@
             </a:lvl1pPr>
           </a:lstStyle>
           <a:p>
-            <a:fld id="{0BEFDBB8-306D-410F-9F0D-476EEAF959C1}" type="slidenum">
+            <a:fld id="{77AC68D0-3F7A-4CF9-A89F-560815D59605}" type="slidenum">
               <a:rPr lang="ko-KR" altLang="en-US" smtClean="0"/>
               <a:t>‹#›</a:t>
             </a:fld>
@@ -2646,7 +2665,7 @@
     </p:spTree>
     <p:extLst>
       <p:ext uri="{BB962C8B-B14F-4D97-AF65-F5344CB8AC3E}">
-        <p14:creationId xmlns:p14="http://schemas.microsoft.com/office/powerpoint/2010/main" val="2567195230"/>
+        <p14:creationId xmlns:p14="http://schemas.microsoft.com/office/powerpoint/2010/main" val="1451453629"/>
       </p:ext>
     </p:extLst>
   </p:cSld>
@@ -2950,6 +2969,14 @@
 <file path=ppt/slides/slide1.xml><?xml version="1.0" encoding="utf-8"?>
 <p:sld xmlns:a="http://schemas.openxmlformats.org/drawingml/2006/main" xmlns:r="http://schemas.openxmlformats.org/officeDocument/2006/relationships" xmlns:p="http://schemas.openxmlformats.org/presentationml/2006/main">
   <p:cSld>
+    <p:bg>
+      <p:bgPr>
+        <a:solidFill>
+          <a:srgbClr val="F2F2F2"/>
+        </a:solidFill>
+        <a:effectLst/>
+      </p:bgPr>
+    </p:bg>
     <p:spTree>
       <p:nvGrpSpPr>
         <p:cNvPr id="1" name=""/>
@@ -2966,60 +2993,3392 @@
       </p:grpSpPr>
       <p:sp>
         <p:nvSpPr>
-          <p:cNvPr id="2" name="제목 1"/>
-          <p:cNvSpPr>
-            <a:spLocks noGrp="1"/>
-          </p:cNvSpPr>
-          <p:nvPr>
-            <p:ph type="ctrTitle"/>
-          </p:nvPr>
-        </p:nvSpPr>
-        <p:spPr/>
-        <p:txBody>
-          <a:bodyPr/>
-          <a:lstStyle/>
-          <a:p>
-            <a:r>
-              <a:rPr lang="ko-KR" altLang="en-US" dirty="0" err="1" smtClean="0"/>
-              <a:t>기획안</a:t>
-            </a:r>
-            <a:endParaRPr lang="ko-KR" altLang="en-US" dirty="0"/>
-          </a:p>
-        </p:txBody>
-      </p:sp>
-      <p:sp>
-        <p:nvSpPr>
-          <p:cNvPr id="3" name="부제목 2"/>
-          <p:cNvSpPr>
-            <a:spLocks noGrp="1"/>
-          </p:cNvSpPr>
-          <p:nvPr>
-            <p:ph type="subTitle" idx="1"/>
-          </p:nvPr>
-        </p:nvSpPr>
-        <p:spPr/>
-        <p:txBody>
-          <a:bodyPr/>
-          <a:lstStyle/>
-          <a:p>
-            <a:r>
-              <a:rPr lang="ko-KR" altLang="en-US" smtClean="0"/>
-              <a:t>준비중</a:t>
-            </a:r>
-            <a:endParaRPr lang="ko-KR" altLang="en-US"/>
+          <p:cNvPr id="31" name="TextBox 30"/>
+          <p:cNvSpPr txBox="1"/>
+          <p:nvPr/>
+        </p:nvSpPr>
+        <p:spPr>
+          <a:xfrm rot="5400000">
+            <a:off x="-328792" y="3313584"/>
+            <a:ext cx="1178528" cy="230832"/>
+          </a:xfrm>
+          <a:prstGeom prst="rect">
+            <a:avLst/>
+          </a:prstGeom>
+          <a:noFill/>
+        </p:spPr>
+        <p:txBody>
+          <a:bodyPr wrap="none" rtlCol="0">
+            <a:spAutoFit/>
+          </a:bodyPr>
+          <a:lstStyle/>
+          <a:p>
+            <a:pPr algn="ctr"/>
+            <a:r>
+              <a:rPr lang="en-US" altLang="ko-KR" sz="900" spc="300" dirty="0" smtClean="0">
+                <a:ln>
+                  <a:solidFill>
+                    <a:schemeClr val="accent1">
+                      <a:alpha val="0"/>
+                    </a:schemeClr>
+                  </a:solidFill>
+                </a:ln>
+                <a:solidFill>
+                  <a:schemeClr val="bg1">
+                    <a:lumMod val="95000"/>
+                  </a:schemeClr>
+                </a:solidFill>
+                <a:latin typeface="나눔스퀘어" panose="020B0600000101010101" pitchFamily="50" charset="-127"/>
+                <a:ea typeface="나눔스퀘어" panose="020B0600000101010101" pitchFamily="50" charset="-127"/>
+              </a:rPr>
+              <a:t>2020.01.01</a:t>
+            </a:r>
+            <a:endParaRPr lang="ko-KR" altLang="en-US" sz="900" spc="300" dirty="0">
+              <a:ln>
+                <a:solidFill>
+                  <a:schemeClr val="accent1">
+                    <a:alpha val="0"/>
+                  </a:schemeClr>
+                </a:solidFill>
+              </a:ln>
+              <a:solidFill>
+                <a:schemeClr val="bg1">
+                  <a:lumMod val="95000"/>
+                </a:schemeClr>
+              </a:solidFill>
+              <a:latin typeface="나눔스퀘어" panose="020B0600000101010101" pitchFamily="50" charset="-127"/>
+              <a:ea typeface="나눔스퀘어" panose="020B0600000101010101" pitchFamily="50" charset="-127"/>
+            </a:endParaRPr>
+          </a:p>
+        </p:txBody>
+      </p:sp>
+      <p:sp>
+        <p:nvSpPr>
+          <p:cNvPr id="10" name="TextBox 9"/>
+          <p:cNvSpPr txBox="1"/>
+          <p:nvPr/>
+        </p:nvSpPr>
+        <p:spPr>
+          <a:xfrm>
+            <a:off x="3758822" y="2101072"/>
+            <a:ext cx="4674357" cy="2862322"/>
+          </a:xfrm>
+          <a:prstGeom prst="rect">
+            <a:avLst/>
+          </a:prstGeom>
+          <a:noFill/>
+        </p:spPr>
+        <p:txBody>
+          <a:bodyPr wrap="none" rtlCol="0">
+            <a:spAutoFit/>
+          </a:bodyPr>
+          <a:lstStyle/>
+          <a:p>
+            <a:pPr algn="ctr"/>
+            <a:r>
+              <a:rPr lang="en-US" altLang="ko-KR" sz="9000" spc="-150" dirty="0" smtClean="0">
+                <a:ln>
+                  <a:solidFill>
+                    <a:schemeClr val="accent1">
+                      <a:alpha val="0"/>
+                    </a:schemeClr>
+                  </a:solidFill>
+                </a:ln>
+                <a:solidFill>
+                  <a:srgbClr val="E46A73">
+                    <a:alpha val="66000"/>
+                  </a:srgbClr>
+                </a:solidFill>
+                <a:latin typeface="나눔스퀘어 ExtraBold" panose="020B0600000101010101" pitchFamily="50" charset="-127"/>
+                <a:ea typeface="나눔스퀘어 ExtraBold" panose="020B0600000101010101" pitchFamily="50" charset="-127"/>
+              </a:rPr>
+              <a:t>Web Page </a:t>
+            </a:r>
+          </a:p>
+          <a:p>
+            <a:pPr algn="ctr"/>
+            <a:r>
+              <a:rPr lang="en-US" altLang="ko-KR" sz="9000" spc="-150" dirty="0" smtClean="0">
+                <a:ln>
+                  <a:solidFill>
+                    <a:schemeClr val="accent1">
+                      <a:alpha val="0"/>
+                    </a:schemeClr>
+                  </a:solidFill>
+                </a:ln>
+                <a:solidFill>
+                  <a:srgbClr val="E46A73">
+                    <a:alpha val="66000"/>
+                  </a:srgbClr>
+                </a:solidFill>
+                <a:latin typeface="나눔스퀘어 ExtraBold" panose="020B0600000101010101" pitchFamily="50" charset="-127"/>
+                <a:ea typeface="나눔스퀘어 ExtraBold" panose="020B0600000101010101" pitchFamily="50" charset="-127"/>
+              </a:rPr>
+              <a:t>Project</a:t>
+            </a:r>
+            <a:endParaRPr lang="ko-KR" altLang="en-US" sz="9000" spc="-150" dirty="0">
+              <a:ln>
+                <a:solidFill>
+                  <a:schemeClr val="accent1">
+                    <a:alpha val="0"/>
+                  </a:schemeClr>
+                </a:solidFill>
+              </a:ln>
+              <a:solidFill>
+                <a:srgbClr val="E46A73">
+                  <a:alpha val="66000"/>
+                </a:srgbClr>
+              </a:solidFill>
+              <a:latin typeface="나눔스퀘어 ExtraBold" panose="020B0600000101010101" pitchFamily="50" charset="-127"/>
+              <a:ea typeface="나눔스퀘어 ExtraBold" panose="020B0600000101010101" pitchFamily="50" charset="-127"/>
+            </a:endParaRPr>
+          </a:p>
+        </p:txBody>
+      </p:sp>
+      <p:sp>
+        <p:nvSpPr>
+          <p:cNvPr id="11" name="TextBox 10"/>
+          <p:cNvSpPr txBox="1"/>
+          <p:nvPr/>
+        </p:nvSpPr>
+        <p:spPr>
+          <a:xfrm>
+            <a:off x="9722266" y="5357267"/>
+            <a:ext cx="1358065" cy="584775"/>
+          </a:xfrm>
+          <a:prstGeom prst="rect">
+            <a:avLst/>
+          </a:prstGeom>
+          <a:noFill/>
+        </p:spPr>
+        <p:txBody>
+          <a:bodyPr wrap="none" rtlCol="0">
+            <a:spAutoFit/>
+          </a:bodyPr>
+          <a:lstStyle/>
+          <a:p>
+            <a:pPr algn="ctr"/>
+            <a:r>
+              <a:rPr lang="ko-KR" altLang="en-US" sz="3200" spc="-150" dirty="0" smtClean="0">
+                <a:ln>
+                  <a:solidFill>
+                    <a:schemeClr val="accent1">
+                      <a:alpha val="0"/>
+                    </a:schemeClr>
+                  </a:solidFill>
+                </a:ln>
+                <a:solidFill>
+                  <a:srgbClr val="529FC6">
+                    <a:alpha val="54000"/>
+                  </a:srgbClr>
+                </a:solidFill>
+                <a:latin typeface="나눔스퀘어 ExtraBold" panose="020B0600000101010101" pitchFamily="50" charset="-127"/>
+                <a:ea typeface="나눔스퀘어 ExtraBold" panose="020B0600000101010101" pitchFamily="50" charset="-127"/>
+              </a:rPr>
+              <a:t>신연우</a:t>
+            </a:r>
+            <a:endParaRPr lang="ko-KR" altLang="en-US" sz="3200" spc="-150" dirty="0">
+              <a:ln>
+                <a:solidFill>
+                  <a:schemeClr val="accent1">
+                    <a:alpha val="0"/>
+                  </a:schemeClr>
+                </a:solidFill>
+              </a:ln>
+              <a:solidFill>
+                <a:srgbClr val="529FC6">
+                  <a:alpha val="54000"/>
+                </a:srgbClr>
+              </a:solidFill>
+              <a:latin typeface="나눔스퀘어 ExtraBold" panose="020B0600000101010101" pitchFamily="50" charset="-127"/>
+              <a:ea typeface="나눔스퀘어 ExtraBold" panose="020B0600000101010101" pitchFamily="50" charset="-127"/>
+            </a:endParaRPr>
           </a:p>
         </p:txBody>
       </p:sp>
     </p:spTree>
     <p:extLst>
       <p:ext uri="{BB962C8B-B14F-4D97-AF65-F5344CB8AC3E}">
-        <p14:creationId xmlns:p14="http://schemas.microsoft.com/office/powerpoint/2010/main" val="817599428"/>
+        <p14:creationId xmlns:p14="http://schemas.microsoft.com/office/powerpoint/2010/main" val="1763241887"/>
       </p:ext>
     </p:extLst>
   </p:cSld>
   <p:clrMapOvr>
-    <a:masterClrMapping/>
+    <a:overrideClrMapping bg1="lt1" tx1="dk1" bg2="lt2" tx2="dk2" accent1="accent1" accent2="accent2" accent3="accent3" accent4="accent4" accent5="accent5" accent6="accent6" hlink="hlink" folHlink="folHlink"/>
   </p:clrMapOvr>
+  <p:timing>
+    <p:tnLst>
+      <p:par>
+        <p:cTn id="1" dur="indefinite" restart="never" nodeType="tmRoot"/>
+      </p:par>
+    </p:tnLst>
+  </p:timing>
+</p:sld>
+</file>
+
+<file path=ppt/slides/slide2.xml><?xml version="1.0" encoding="utf-8"?>
+<p:sld xmlns:a="http://schemas.openxmlformats.org/drawingml/2006/main" xmlns:r="http://schemas.openxmlformats.org/officeDocument/2006/relationships" xmlns:p="http://schemas.openxmlformats.org/presentationml/2006/main">
+  <p:cSld>
+    <p:bg>
+      <p:bgPr>
+        <a:solidFill>
+          <a:srgbClr val="F2F2F2"/>
+        </a:solidFill>
+        <a:effectLst/>
+      </p:bgPr>
+    </p:bg>
+    <p:spTree>
+      <p:nvGrpSpPr>
+        <p:cNvPr id="1" name=""/>
+        <p:cNvGrpSpPr/>
+        <p:nvPr/>
+      </p:nvGrpSpPr>
+      <p:grpSpPr>
+        <a:xfrm>
+          <a:off x="0" y="0"/>
+          <a:ext cx="0" cy="0"/>
+          <a:chOff x="0" y="0"/>
+          <a:chExt cx="0" cy="0"/>
+        </a:xfrm>
+      </p:grpSpPr>
+      <p:sp>
+        <p:nvSpPr>
+          <p:cNvPr id="23" name="TextBox 22"/>
+          <p:cNvSpPr txBox="1"/>
+          <p:nvPr/>
+        </p:nvSpPr>
+        <p:spPr>
+          <a:xfrm>
+            <a:off x="5514751" y="459276"/>
+            <a:ext cx="1162498" cy="523220"/>
+          </a:xfrm>
+          <a:prstGeom prst="rect">
+            <a:avLst/>
+          </a:prstGeom>
+          <a:noFill/>
+        </p:spPr>
+        <p:txBody>
+          <a:bodyPr wrap="none" rtlCol="0">
+            <a:spAutoFit/>
+          </a:bodyPr>
+          <a:lstStyle/>
+          <a:p>
+            <a:pPr algn="ctr"/>
+            <a:r>
+              <a:rPr lang="en-US" altLang="ko-KR" sz="2800" spc="-150" dirty="0" smtClean="0">
+                <a:ln>
+                  <a:solidFill>
+                    <a:schemeClr val="accent1">
+                      <a:alpha val="0"/>
+                    </a:schemeClr>
+                  </a:solidFill>
+                </a:ln>
+                <a:solidFill>
+                  <a:srgbClr val="E46A73">
+                    <a:alpha val="66000"/>
+                  </a:srgbClr>
+                </a:solidFill>
+                <a:effectLst>
+                  <a:outerShdw dist="88900" dir="1800000" algn="ctr" rotWithShape="0">
+                    <a:srgbClr val="529FC6">
+                      <a:alpha val="68000"/>
+                    </a:srgbClr>
+                  </a:outerShdw>
+                </a:effectLst>
+                <a:latin typeface="나눔스퀘어 ExtraBold" panose="020B0600000101010101" pitchFamily="50" charset="-127"/>
+                <a:ea typeface="나눔스퀘어 ExtraBold" panose="020B0600000101010101" pitchFamily="50" charset="-127"/>
+              </a:rPr>
+              <a:t>INDEX</a:t>
+            </a:r>
+            <a:endParaRPr lang="ko-KR" altLang="en-US" sz="2800" spc="-150" dirty="0">
+              <a:ln>
+                <a:solidFill>
+                  <a:schemeClr val="accent1">
+                    <a:alpha val="0"/>
+                  </a:schemeClr>
+                </a:solidFill>
+              </a:ln>
+              <a:solidFill>
+                <a:srgbClr val="E46A73">
+                  <a:alpha val="66000"/>
+                </a:srgbClr>
+              </a:solidFill>
+              <a:effectLst>
+                <a:outerShdw dist="88900" dir="1800000" algn="ctr" rotWithShape="0">
+                  <a:srgbClr val="529FC6">
+                    <a:alpha val="68000"/>
+                  </a:srgbClr>
+                </a:outerShdw>
+              </a:effectLst>
+              <a:latin typeface="나눔스퀘어 ExtraBold" panose="020B0600000101010101" pitchFamily="50" charset="-127"/>
+              <a:ea typeface="나눔스퀘어 ExtraBold" panose="020B0600000101010101" pitchFamily="50" charset="-127"/>
+            </a:endParaRPr>
+          </a:p>
+        </p:txBody>
+      </p:sp>
+      <p:sp>
+        <p:nvSpPr>
+          <p:cNvPr id="18" name="TextBox 17"/>
+          <p:cNvSpPr txBox="1"/>
+          <p:nvPr/>
+        </p:nvSpPr>
+        <p:spPr>
+          <a:xfrm>
+            <a:off x="6196430" y="1651729"/>
+            <a:ext cx="1220206" cy="276999"/>
+          </a:xfrm>
+          <a:prstGeom prst="rect">
+            <a:avLst/>
+          </a:prstGeom>
+          <a:noFill/>
+        </p:spPr>
+        <p:txBody>
+          <a:bodyPr wrap="none" rtlCol="0">
+            <a:spAutoFit/>
+          </a:bodyPr>
+          <a:lstStyle>
+            <a:defPPr>
+              <a:defRPr lang="ko-KR"/>
+            </a:defPPr>
+            <a:lvl1pPr algn="ctr">
+              <a:defRPr sz="1100" spc="300">
+                <a:ln>
+                  <a:solidFill>
+                    <a:schemeClr val="accent1">
+                      <a:alpha val="0"/>
+                    </a:schemeClr>
+                  </a:solidFill>
+                </a:ln>
+                <a:latin typeface="나눔명조" panose="02020603020101020101" pitchFamily="18" charset="-127"/>
+                <a:ea typeface="나눔명조" panose="02020603020101020101" pitchFamily="18" charset="-127"/>
+              </a:defRPr>
+            </a:lvl1pPr>
+          </a:lstStyle>
+          <a:p>
+            <a:pPr algn="l"/>
+            <a:r>
+              <a:rPr lang="ko-KR" altLang="en-US" sz="1200" dirty="0" smtClean="0">
+                <a:solidFill>
+                  <a:srgbClr val="529FC6"/>
+                </a:solidFill>
+                <a:latin typeface="나눔스퀘어" panose="020B0600000101010101" pitchFamily="50" charset="-127"/>
+                <a:ea typeface="나눔스퀘어" panose="020B0600000101010101" pitchFamily="50" charset="-127"/>
+              </a:rPr>
+              <a:t>메인 페이지</a:t>
+            </a:r>
+            <a:endParaRPr lang="en-US" altLang="ko-KR" sz="1200" dirty="0">
+              <a:solidFill>
+                <a:srgbClr val="529FC6"/>
+              </a:solidFill>
+              <a:latin typeface="나눔스퀘어" panose="020B0600000101010101" pitchFamily="50" charset="-127"/>
+              <a:ea typeface="나눔스퀘어" panose="020B0600000101010101" pitchFamily="50" charset="-127"/>
+            </a:endParaRPr>
+          </a:p>
+        </p:txBody>
+      </p:sp>
+      <p:sp>
+        <p:nvSpPr>
+          <p:cNvPr id="19" name="TextBox 18"/>
+          <p:cNvSpPr txBox="1"/>
+          <p:nvPr/>
+        </p:nvSpPr>
+        <p:spPr>
+          <a:xfrm>
+            <a:off x="6196430" y="2666584"/>
+            <a:ext cx="1027845" cy="276999"/>
+          </a:xfrm>
+          <a:prstGeom prst="rect">
+            <a:avLst/>
+          </a:prstGeom>
+          <a:noFill/>
+        </p:spPr>
+        <p:txBody>
+          <a:bodyPr wrap="none" rtlCol="0">
+            <a:spAutoFit/>
+          </a:bodyPr>
+          <a:lstStyle>
+            <a:defPPr>
+              <a:defRPr lang="ko-KR"/>
+            </a:defPPr>
+            <a:lvl1pPr algn="ctr">
+              <a:defRPr sz="1100" spc="300">
+                <a:ln>
+                  <a:solidFill>
+                    <a:schemeClr val="accent1">
+                      <a:alpha val="0"/>
+                    </a:schemeClr>
+                  </a:solidFill>
+                </a:ln>
+                <a:latin typeface="나눔명조" panose="02020603020101020101" pitchFamily="18" charset="-127"/>
+                <a:ea typeface="나눔명조" panose="02020603020101020101" pitchFamily="18" charset="-127"/>
+              </a:defRPr>
+            </a:lvl1pPr>
+          </a:lstStyle>
+          <a:p>
+            <a:pPr algn="l"/>
+            <a:r>
+              <a:rPr lang="ko-KR" altLang="en-US" sz="1200" dirty="0" smtClean="0">
+                <a:solidFill>
+                  <a:srgbClr val="E46A73"/>
+                </a:solidFill>
+                <a:latin typeface="나눔스퀘어" panose="020B0600000101010101" pitchFamily="50" charset="-127"/>
+                <a:ea typeface="나눔스퀘어" panose="020B0600000101010101" pitchFamily="50" charset="-127"/>
+              </a:rPr>
+              <a:t>회원 기능</a:t>
+            </a:r>
+            <a:endParaRPr lang="en-US" altLang="ko-KR" sz="1200" dirty="0">
+              <a:solidFill>
+                <a:srgbClr val="E46A73"/>
+              </a:solidFill>
+              <a:latin typeface="나눔스퀘어" panose="020B0600000101010101" pitchFamily="50" charset="-127"/>
+              <a:ea typeface="나눔스퀘어" panose="020B0600000101010101" pitchFamily="50" charset="-127"/>
+            </a:endParaRPr>
+          </a:p>
+        </p:txBody>
+      </p:sp>
+      <p:sp>
+        <p:nvSpPr>
+          <p:cNvPr id="20" name="TextBox 19"/>
+          <p:cNvSpPr txBox="1"/>
+          <p:nvPr/>
+        </p:nvSpPr>
+        <p:spPr>
+          <a:xfrm>
+            <a:off x="6196430" y="3487689"/>
+            <a:ext cx="1027845" cy="461665"/>
+          </a:xfrm>
+          <a:prstGeom prst="rect">
+            <a:avLst/>
+          </a:prstGeom>
+          <a:noFill/>
+        </p:spPr>
+        <p:txBody>
+          <a:bodyPr wrap="none" rtlCol="0">
+            <a:spAutoFit/>
+          </a:bodyPr>
+          <a:lstStyle>
+            <a:defPPr>
+              <a:defRPr lang="ko-KR"/>
+            </a:defPPr>
+            <a:lvl1pPr algn="ctr">
+              <a:defRPr sz="1100" spc="300">
+                <a:ln>
+                  <a:solidFill>
+                    <a:schemeClr val="accent1">
+                      <a:alpha val="0"/>
+                    </a:schemeClr>
+                  </a:solidFill>
+                </a:ln>
+                <a:latin typeface="나눔명조" panose="02020603020101020101" pitchFamily="18" charset="-127"/>
+                <a:ea typeface="나눔명조" panose="02020603020101020101" pitchFamily="18" charset="-127"/>
+              </a:defRPr>
+            </a:lvl1pPr>
+          </a:lstStyle>
+          <a:p>
+            <a:pPr algn="l"/>
+            <a:r>
+              <a:rPr lang="ko-KR" altLang="en-US" sz="1200" dirty="0" smtClean="0">
+                <a:solidFill>
+                  <a:srgbClr val="529FC6"/>
+                </a:solidFill>
+                <a:latin typeface="나눔스퀘어" panose="020B0600000101010101" pitchFamily="50" charset="-127"/>
+                <a:ea typeface="나눔스퀘어" panose="020B0600000101010101" pitchFamily="50" charset="-127"/>
+              </a:rPr>
+              <a:t>상품 기능</a:t>
+            </a:r>
+            <a:endParaRPr lang="en-US" altLang="ko-KR" sz="1200" dirty="0" smtClean="0">
+              <a:solidFill>
+                <a:srgbClr val="529FC6"/>
+              </a:solidFill>
+              <a:latin typeface="나눔스퀘어" panose="020B0600000101010101" pitchFamily="50" charset="-127"/>
+              <a:ea typeface="나눔스퀘어" panose="020B0600000101010101" pitchFamily="50" charset="-127"/>
+            </a:endParaRPr>
+          </a:p>
+          <a:p>
+            <a:pPr algn="l"/>
+            <a:endParaRPr lang="en-US" altLang="ko-KR" sz="1200" dirty="0">
+              <a:solidFill>
+                <a:srgbClr val="529FC6"/>
+              </a:solidFill>
+              <a:latin typeface="나눔스퀘어" panose="020B0600000101010101" pitchFamily="50" charset="-127"/>
+              <a:ea typeface="나눔스퀘어" panose="020B0600000101010101" pitchFamily="50" charset="-127"/>
+            </a:endParaRPr>
+          </a:p>
+        </p:txBody>
+      </p:sp>
+      <p:sp>
+        <p:nvSpPr>
+          <p:cNvPr id="22" name="TextBox 21"/>
+          <p:cNvSpPr txBox="1"/>
+          <p:nvPr/>
+        </p:nvSpPr>
+        <p:spPr>
+          <a:xfrm>
+            <a:off x="6196430" y="4224631"/>
+            <a:ext cx="1412566" cy="461665"/>
+          </a:xfrm>
+          <a:prstGeom prst="rect">
+            <a:avLst/>
+          </a:prstGeom>
+          <a:noFill/>
+        </p:spPr>
+        <p:txBody>
+          <a:bodyPr wrap="none" rtlCol="0">
+            <a:spAutoFit/>
+          </a:bodyPr>
+          <a:lstStyle>
+            <a:defPPr>
+              <a:defRPr lang="ko-KR"/>
+            </a:defPPr>
+            <a:lvl1pPr algn="ctr">
+              <a:defRPr sz="1100" spc="300">
+                <a:ln>
+                  <a:solidFill>
+                    <a:schemeClr val="accent1">
+                      <a:alpha val="0"/>
+                    </a:schemeClr>
+                  </a:solidFill>
+                </a:ln>
+                <a:latin typeface="나눔명조" panose="02020603020101020101" pitchFamily="18" charset="-127"/>
+                <a:ea typeface="나눔명조" panose="02020603020101020101" pitchFamily="18" charset="-127"/>
+              </a:defRPr>
+            </a:lvl1pPr>
+          </a:lstStyle>
+          <a:p>
+            <a:pPr algn="l"/>
+            <a:r>
+              <a:rPr lang="ko-KR" altLang="en-US" sz="1200" dirty="0" smtClean="0">
+                <a:solidFill>
+                  <a:srgbClr val="E46A73"/>
+                </a:solidFill>
+                <a:latin typeface="나눔스퀘어" panose="020B0600000101010101" pitchFamily="50" charset="-127"/>
+                <a:ea typeface="나눔스퀘어" panose="020B0600000101010101" pitchFamily="50" charset="-127"/>
+              </a:rPr>
+              <a:t>장바구니 기능</a:t>
+            </a:r>
+            <a:endParaRPr lang="en-US" altLang="ko-KR" sz="1200" dirty="0" smtClean="0">
+              <a:solidFill>
+                <a:srgbClr val="E46A73"/>
+              </a:solidFill>
+              <a:latin typeface="나눔스퀘어" panose="020B0600000101010101" pitchFamily="50" charset="-127"/>
+              <a:ea typeface="나눔스퀘어" panose="020B0600000101010101" pitchFamily="50" charset="-127"/>
+            </a:endParaRPr>
+          </a:p>
+          <a:p>
+            <a:pPr algn="l"/>
+            <a:endParaRPr lang="en-US" altLang="ko-KR" sz="1200" dirty="0">
+              <a:solidFill>
+                <a:srgbClr val="E46A73"/>
+              </a:solidFill>
+              <a:latin typeface="나눔스퀘어" panose="020B0600000101010101" pitchFamily="50" charset="-127"/>
+              <a:ea typeface="나눔스퀘어" panose="020B0600000101010101" pitchFamily="50" charset="-127"/>
+            </a:endParaRPr>
+          </a:p>
+        </p:txBody>
+      </p:sp>
+      <p:sp>
+        <p:nvSpPr>
+          <p:cNvPr id="21" name="TextBox 20"/>
+          <p:cNvSpPr txBox="1"/>
+          <p:nvPr/>
+        </p:nvSpPr>
+        <p:spPr>
+          <a:xfrm>
+            <a:off x="5057720" y="1401556"/>
+            <a:ext cx="482824" cy="707886"/>
+          </a:xfrm>
+          <a:prstGeom prst="rect">
+            <a:avLst/>
+          </a:prstGeom>
+          <a:noFill/>
+        </p:spPr>
+        <p:txBody>
+          <a:bodyPr wrap="none" rtlCol="0">
+            <a:spAutoFit/>
+          </a:bodyPr>
+          <a:lstStyle/>
+          <a:p>
+            <a:pPr algn="ctr"/>
+            <a:r>
+              <a:rPr lang="en-US" altLang="ko-KR" sz="4000" spc="-150" dirty="0" smtClean="0">
+                <a:ln>
+                  <a:solidFill>
+                    <a:schemeClr val="accent1">
+                      <a:alpha val="0"/>
+                    </a:schemeClr>
+                  </a:solidFill>
+                </a:ln>
+                <a:solidFill>
+                  <a:srgbClr val="529FC6"/>
+                </a:solidFill>
+                <a:latin typeface="나눔스퀘어 Light" panose="020B0600000101010101" pitchFamily="50" charset="-127"/>
+                <a:ea typeface="나눔스퀘어 Light" panose="020B0600000101010101" pitchFamily="50" charset="-127"/>
+              </a:rPr>
+              <a:t>1</a:t>
+            </a:r>
+            <a:endParaRPr lang="ko-KR" altLang="en-US" sz="4000" spc="-150" dirty="0">
+              <a:ln>
+                <a:solidFill>
+                  <a:schemeClr val="accent1">
+                    <a:alpha val="0"/>
+                  </a:schemeClr>
+                </a:solidFill>
+              </a:ln>
+              <a:solidFill>
+                <a:srgbClr val="529FC6"/>
+              </a:solidFill>
+              <a:latin typeface="나눔스퀘어 Light" panose="020B0600000101010101" pitchFamily="50" charset="-127"/>
+              <a:ea typeface="나눔스퀘어 Light" panose="020B0600000101010101" pitchFamily="50" charset="-127"/>
+            </a:endParaRPr>
+          </a:p>
+        </p:txBody>
+      </p:sp>
+      <p:sp>
+        <p:nvSpPr>
+          <p:cNvPr id="25" name="TextBox 24"/>
+          <p:cNvSpPr txBox="1"/>
+          <p:nvPr/>
+        </p:nvSpPr>
+        <p:spPr>
+          <a:xfrm>
+            <a:off x="5057720" y="2326013"/>
+            <a:ext cx="482824" cy="707886"/>
+          </a:xfrm>
+          <a:prstGeom prst="rect">
+            <a:avLst/>
+          </a:prstGeom>
+          <a:noFill/>
+        </p:spPr>
+        <p:txBody>
+          <a:bodyPr wrap="none" rtlCol="0">
+            <a:spAutoFit/>
+          </a:bodyPr>
+          <a:lstStyle/>
+          <a:p>
+            <a:pPr algn="ctr"/>
+            <a:r>
+              <a:rPr lang="en-US" altLang="ko-KR" sz="4000" spc="-150" dirty="0" smtClean="0">
+                <a:ln>
+                  <a:solidFill>
+                    <a:schemeClr val="accent1">
+                      <a:alpha val="0"/>
+                    </a:schemeClr>
+                  </a:solidFill>
+                </a:ln>
+                <a:solidFill>
+                  <a:srgbClr val="E46A73"/>
+                </a:solidFill>
+                <a:latin typeface="나눔스퀘어 Light" panose="020B0600000101010101" pitchFamily="50" charset="-127"/>
+                <a:ea typeface="나눔스퀘어 Light" panose="020B0600000101010101" pitchFamily="50" charset="-127"/>
+              </a:rPr>
+              <a:t>2</a:t>
+            </a:r>
+            <a:endParaRPr lang="ko-KR" altLang="en-US" sz="4000" spc="-150" dirty="0">
+              <a:ln>
+                <a:solidFill>
+                  <a:schemeClr val="accent1">
+                    <a:alpha val="0"/>
+                  </a:schemeClr>
+                </a:solidFill>
+              </a:ln>
+              <a:solidFill>
+                <a:srgbClr val="E46A73"/>
+              </a:solidFill>
+              <a:latin typeface="나눔스퀘어 Light" panose="020B0600000101010101" pitchFamily="50" charset="-127"/>
+              <a:ea typeface="나눔스퀘어 Light" panose="020B0600000101010101" pitchFamily="50" charset="-127"/>
+            </a:endParaRPr>
+          </a:p>
+        </p:txBody>
+      </p:sp>
+      <p:sp>
+        <p:nvSpPr>
+          <p:cNvPr id="27" name="TextBox 26"/>
+          <p:cNvSpPr txBox="1"/>
+          <p:nvPr/>
+        </p:nvSpPr>
+        <p:spPr>
+          <a:xfrm>
+            <a:off x="5035807" y="3133746"/>
+            <a:ext cx="482824" cy="707886"/>
+          </a:xfrm>
+          <a:prstGeom prst="rect">
+            <a:avLst/>
+          </a:prstGeom>
+          <a:noFill/>
+        </p:spPr>
+        <p:txBody>
+          <a:bodyPr wrap="none" rtlCol="0">
+            <a:spAutoFit/>
+          </a:bodyPr>
+          <a:lstStyle/>
+          <a:p>
+            <a:pPr algn="ctr"/>
+            <a:r>
+              <a:rPr lang="en-US" altLang="ko-KR" sz="4000" spc="-150" dirty="0" smtClean="0">
+                <a:ln>
+                  <a:solidFill>
+                    <a:schemeClr val="accent1">
+                      <a:alpha val="0"/>
+                    </a:schemeClr>
+                  </a:solidFill>
+                </a:ln>
+                <a:solidFill>
+                  <a:srgbClr val="529FC6"/>
+                </a:solidFill>
+                <a:latin typeface="나눔스퀘어 Light" panose="020B0600000101010101" pitchFamily="50" charset="-127"/>
+                <a:ea typeface="나눔스퀘어 Light" panose="020B0600000101010101" pitchFamily="50" charset="-127"/>
+              </a:rPr>
+              <a:t>3</a:t>
+            </a:r>
+            <a:endParaRPr lang="ko-KR" altLang="en-US" sz="4000" spc="-150" dirty="0">
+              <a:ln>
+                <a:solidFill>
+                  <a:schemeClr val="accent1">
+                    <a:alpha val="0"/>
+                  </a:schemeClr>
+                </a:solidFill>
+              </a:ln>
+              <a:solidFill>
+                <a:srgbClr val="529FC6"/>
+              </a:solidFill>
+              <a:latin typeface="나눔스퀘어 Light" panose="020B0600000101010101" pitchFamily="50" charset="-127"/>
+              <a:ea typeface="나눔스퀘어 Light" panose="020B0600000101010101" pitchFamily="50" charset="-127"/>
+            </a:endParaRPr>
+          </a:p>
+        </p:txBody>
+      </p:sp>
+      <p:sp>
+        <p:nvSpPr>
+          <p:cNvPr id="28" name="TextBox 27"/>
+          <p:cNvSpPr txBox="1"/>
+          <p:nvPr/>
+        </p:nvSpPr>
+        <p:spPr>
+          <a:xfrm>
+            <a:off x="5057720" y="3951278"/>
+            <a:ext cx="482824" cy="707886"/>
+          </a:xfrm>
+          <a:prstGeom prst="rect">
+            <a:avLst/>
+          </a:prstGeom>
+          <a:noFill/>
+        </p:spPr>
+        <p:txBody>
+          <a:bodyPr wrap="none" rtlCol="0">
+            <a:spAutoFit/>
+          </a:bodyPr>
+          <a:lstStyle/>
+          <a:p>
+            <a:pPr algn="ctr"/>
+            <a:r>
+              <a:rPr lang="en-US" altLang="ko-KR" sz="4000" spc="-150" dirty="0" smtClean="0">
+                <a:ln>
+                  <a:solidFill>
+                    <a:schemeClr val="accent1">
+                      <a:alpha val="0"/>
+                    </a:schemeClr>
+                  </a:solidFill>
+                </a:ln>
+                <a:solidFill>
+                  <a:srgbClr val="E46A73"/>
+                </a:solidFill>
+                <a:latin typeface="나눔스퀘어 Light" panose="020B0600000101010101" pitchFamily="50" charset="-127"/>
+                <a:ea typeface="나눔스퀘어 Light" panose="020B0600000101010101" pitchFamily="50" charset="-127"/>
+              </a:rPr>
+              <a:t>4</a:t>
+            </a:r>
+            <a:endParaRPr lang="ko-KR" altLang="en-US" sz="4000" spc="-150" dirty="0">
+              <a:ln>
+                <a:solidFill>
+                  <a:schemeClr val="accent1">
+                    <a:alpha val="0"/>
+                  </a:schemeClr>
+                </a:solidFill>
+              </a:ln>
+              <a:solidFill>
+                <a:srgbClr val="E46A73"/>
+              </a:solidFill>
+              <a:latin typeface="나눔스퀘어 Light" panose="020B0600000101010101" pitchFamily="50" charset="-127"/>
+              <a:ea typeface="나눔스퀘어 Light" panose="020B0600000101010101" pitchFamily="50" charset="-127"/>
+            </a:endParaRPr>
+          </a:p>
+        </p:txBody>
+      </p:sp>
+      <p:cxnSp>
+        <p:nvCxnSpPr>
+          <p:cNvPr id="5" name="직선 연결선 4"/>
+          <p:cNvCxnSpPr/>
+          <p:nvPr/>
+        </p:nvCxnSpPr>
+        <p:spPr>
+          <a:xfrm>
+            <a:off x="4869044" y="1915286"/>
+            <a:ext cx="2118621" cy="0"/>
+          </a:xfrm>
+          <a:prstGeom prst="line">
+            <a:avLst/>
+          </a:prstGeom>
+          <a:ln>
+            <a:solidFill>
+              <a:schemeClr val="tx1">
+                <a:lumMod val="75000"/>
+                <a:lumOff val="25000"/>
+                <a:alpha val="29000"/>
+              </a:schemeClr>
+            </a:solidFill>
+          </a:ln>
+        </p:spPr>
+        <p:style>
+          <a:lnRef idx="1">
+            <a:schemeClr val="accent1"/>
+          </a:lnRef>
+          <a:fillRef idx="0">
+            <a:schemeClr val="accent1"/>
+          </a:fillRef>
+          <a:effectRef idx="0">
+            <a:schemeClr val="accent1"/>
+          </a:effectRef>
+          <a:fontRef idx="minor">
+            <a:schemeClr val="tx1"/>
+          </a:fontRef>
+        </p:style>
+      </p:cxnSp>
+      <p:cxnSp>
+        <p:nvCxnSpPr>
+          <p:cNvPr id="24" name="직선 연결선 23"/>
+          <p:cNvCxnSpPr/>
+          <p:nvPr/>
+        </p:nvCxnSpPr>
+        <p:spPr>
+          <a:xfrm>
+            <a:off x="4941721" y="2909362"/>
+            <a:ext cx="2118621" cy="0"/>
+          </a:xfrm>
+          <a:prstGeom prst="line">
+            <a:avLst/>
+          </a:prstGeom>
+          <a:ln>
+            <a:solidFill>
+              <a:schemeClr val="tx1">
+                <a:lumMod val="75000"/>
+                <a:lumOff val="25000"/>
+                <a:alpha val="29000"/>
+              </a:schemeClr>
+            </a:solidFill>
+          </a:ln>
+        </p:spPr>
+        <p:style>
+          <a:lnRef idx="1">
+            <a:schemeClr val="accent1"/>
+          </a:lnRef>
+          <a:fillRef idx="0">
+            <a:schemeClr val="accent1"/>
+          </a:fillRef>
+          <a:effectRef idx="0">
+            <a:schemeClr val="accent1"/>
+          </a:effectRef>
+          <a:fontRef idx="minor">
+            <a:schemeClr val="tx1"/>
+          </a:fontRef>
+        </p:style>
+      </p:cxnSp>
+      <p:cxnSp>
+        <p:nvCxnSpPr>
+          <p:cNvPr id="26" name="직선 연결선 25"/>
+          <p:cNvCxnSpPr/>
+          <p:nvPr/>
+        </p:nvCxnSpPr>
+        <p:spPr>
+          <a:xfrm>
+            <a:off x="4873721" y="3727592"/>
+            <a:ext cx="2118621" cy="0"/>
+          </a:xfrm>
+          <a:prstGeom prst="line">
+            <a:avLst/>
+          </a:prstGeom>
+          <a:ln>
+            <a:solidFill>
+              <a:schemeClr val="tx1">
+                <a:lumMod val="75000"/>
+                <a:lumOff val="25000"/>
+                <a:alpha val="29000"/>
+              </a:schemeClr>
+            </a:solidFill>
+          </a:ln>
+        </p:spPr>
+        <p:style>
+          <a:lnRef idx="1">
+            <a:schemeClr val="accent1"/>
+          </a:lnRef>
+          <a:fillRef idx="0">
+            <a:schemeClr val="accent1"/>
+          </a:fillRef>
+          <a:effectRef idx="0">
+            <a:schemeClr val="accent1"/>
+          </a:effectRef>
+          <a:fontRef idx="minor">
+            <a:schemeClr val="tx1"/>
+          </a:fontRef>
+        </p:style>
+      </p:cxnSp>
+      <p:cxnSp>
+        <p:nvCxnSpPr>
+          <p:cNvPr id="29" name="직선 연결선 28"/>
+          <p:cNvCxnSpPr/>
+          <p:nvPr/>
+        </p:nvCxnSpPr>
+        <p:spPr>
+          <a:xfrm>
+            <a:off x="4869044" y="4493069"/>
+            <a:ext cx="2118621" cy="0"/>
+          </a:xfrm>
+          <a:prstGeom prst="line">
+            <a:avLst/>
+          </a:prstGeom>
+          <a:ln>
+            <a:solidFill>
+              <a:schemeClr val="tx1">
+                <a:lumMod val="75000"/>
+                <a:lumOff val="25000"/>
+                <a:alpha val="29000"/>
+              </a:schemeClr>
+            </a:solidFill>
+          </a:ln>
+        </p:spPr>
+        <p:style>
+          <a:lnRef idx="1">
+            <a:schemeClr val="accent1"/>
+          </a:lnRef>
+          <a:fillRef idx="0">
+            <a:schemeClr val="accent1"/>
+          </a:fillRef>
+          <a:effectRef idx="0">
+            <a:schemeClr val="accent1"/>
+          </a:effectRef>
+          <a:fontRef idx="minor">
+            <a:schemeClr val="tx1"/>
+          </a:fontRef>
+        </p:style>
+      </p:cxnSp>
+      <p:cxnSp>
+        <p:nvCxnSpPr>
+          <p:cNvPr id="15" name="직선 연결선 14"/>
+          <p:cNvCxnSpPr/>
+          <p:nvPr/>
+        </p:nvCxnSpPr>
+        <p:spPr>
+          <a:xfrm>
+            <a:off x="4941720" y="5331269"/>
+            <a:ext cx="2118621" cy="0"/>
+          </a:xfrm>
+          <a:prstGeom prst="line">
+            <a:avLst/>
+          </a:prstGeom>
+          <a:ln>
+            <a:solidFill>
+              <a:schemeClr val="tx1">
+                <a:lumMod val="75000"/>
+                <a:lumOff val="25000"/>
+                <a:alpha val="29000"/>
+              </a:schemeClr>
+            </a:solidFill>
+          </a:ln>
+        </p:spPr>
+        <p:style>
+          <a:lnRef idx="1">
+            <a:schemeClr val="accent1"/>
+          </a:lnRef>
+          <a:fillRef idx="0">
+            <a:schemeClr val="accent1"/>
+          </a:fillRef>
+          <a:effectRef idx="0">
+            <a:schemeClr val="accent1"/>
+          </a:effectRef>
+          <a:fontRef idx="minor">
+            <a:schemeClr val="tx1"/>
+          </a:fontRef>
+        </p:style>
+      </p:cxnSp>
+      <p:cxnSp>
+        <p:nvCxnSpPr>
+          <p:cNvPr id="16" name="직선 연결선 15"/>
+          <p:cNvCxnSpPr/>
+          <p:nvPr/>
+        </p:nvCxnSpPr>
+        <p:spPr>
+          <a:xfrm>
+            <a:off x="4941720" y="6157746"/>
+            <a:ext cx="2118621" cy="0"/>
+          </a:xfrm>
+          <a:prstGeom prst="line">
+            <a:avLst/>
+          </a:prstGeom>
+          <a:ln>
+            <a:solidFill>
+              <a:schemeClr val="tx1">
+                <a:lumMod val="75000"/>
+                <a:lumOff val="25000"/>
+                <a:alpha val="29000"/>
+              </a:schemeClr>
+            </a:solidFill>
+          </a:ln>
+        </p:spPr>
+        <p:style>
+          <a:lnRef idx="1">
+            <a:schemeClr val="accent1"/>
+          </a:lnRef>
+          <a:fillRef idx="0">
+            <a:schemeClr val="accent1"/>
+          </a:fillRef>
+          <a:effectRef idx="0">
+            <a:schemeClr val="accent1"/>
+          </a:effectRef>
+          <a:fontRef idx="minor">
+            <a:schemeClr val="tx1"/>
+          </a:fontRef>
+        </p:style>
+      </p:cxnSp>
+      <p:sp>
+        <p:nvSpPr>
+          <p:cNvPr id="17" name="TextBox 16"/>
+          <p:cNvSpPr txBox="1"/>
+          <p:nvPr/>
+        </p:nvSpPr>
+        <p:spPr>
+          <a:xfrm>
+            <a:off x="5077485" y="5511025"/>
+            <a:ext cx="399468" cy="707886"/>
+          </a:xfrm>
+          <a:prstGeom prst="rect">
+            <a:avLst/>
+          </a:prstGeom>
+          <a:noFill/>
+        </p:spPr>
+        <p:txBody>
+          <a:bodyPr wrap="none" rtlCol="0">
+            <a:spAutoFit/>
+          </a:bodyPr>
+          <a:lstStyle/>
+          <a:p>
+            <a:pPr algn="ctr"/>
+            <a:r>
+              <a:rPr lang="en-US" altLang="ko-KR" sz="4000" spc="-150" dirty="0" smtClean="0">
+                <a:ln>
+                  <a:solidFill>
+                    <a:schemeClr val="accent1">
+                      <a:alpha val="0"/>
+                    </a:schemeClr>
+                  </a:solidFill>
+                </a:ln>
+                <a:solidFill>
+                  <a:srgbClr val="E46A73"/>
+                </a:solidFill>
+                <a:latin typeface="나눔스퀘어 Light" panose="020B0600000101010101" pitchFamily="50" charset="-127"/>
+                <a:ea typeface="나눔스퀘어 Light" panose="020B0600000101010101" pitchFamily="50" charset="-127"/>
+              </a:rPr>
+              <a:t>6</a:t>
+            </a:r>
+            <a:endParaRPr lang="ko-KR" altLang="en-US" sz="4000" spc="-150" dirty="0">
+              <a:ln>
+                <a:solidFill>
+                  <a:schemeClr val="accent1">
+                    <a:alpha val="0"/>
+                  </a:schemeClr>
+                </a:solidFill>
+              </a:ln>
+              <a:solidFill>
+                <a:srgbClr val="E46A73"/>
+              </a:solidFill>
+              <a:latin typeface="나눔스퀘어 Light" panose="020B0600000101010101" pitchFamily="50" charset="-127"/>
+              <a:ea typeface="나눔스퀘어 Light" panose="020B0600000101010101" pitchFamily="50" charset="-127"/>
+            </a:endParaRPr>
+          </a:p>
+        </p:txBody>
+      </p:sp>
+      <p:sp>
+        <p:nvSpPr>
+          <p:cNvPr id="30" name="TextBox 29"/>
+          <p:cNvSpPr txBox="1"/>
+          <p:nvPr/>
+        </p:nvSpPr>
+        <p:spPr>
+          <a:xfrm>
+            <a:off x="6196430" y="5858320"/>
+            <a:ext cx="1604927" cy="461665"/>
+          </a:xfrm>
+          <a:prstGeom prst="rect">
+            <a:avLst/>
+          </a:prstGeom>
+          <a:noFill/>
+        </p:spPr>
+        <p:txBody>
+          <a:bodyPr wrap="none" rtlCol="0">
+            <a:spAutoFit/>
+          </a:bodyPr>
+          <a:lstStyle>
+            <a:defPPr>
+              <a:defRPr lang="ko-KR"/>
+            </a:defPPr>
+            <a:lvl1pPr algn="ctr">
+              <a:defRPr sz="1100" spc="300">
+                <a:ln>
+                  <a:solidFill>
+                    <a:schemeClr val="accent1">
+                      <a:alpha val="0"/>
+                    </a:schemeClr>
+                  </a:solidFill>
+                </a:ln>
+                <a:latin typeface="나눔명조" panose="02020603020101020101" pitchFamily="18" charset="-127"/>
+                <a:ea typeface="나눔명조" panose="02020603020101020101" pitchFamily="18" charset="-127"/>
+              </a:defRPr>
+            </a:lvl1pPr>
+          </a:lstStyle>
+          <a:p>
+            <a:pPr algn="l"/>
+            <a:r>
+              <a:rPr lang="ko-KR" altLang="en-US" sz="1200" dirty="0" err="1" smtClean="0">
+                <a:solidFill>
+                  <a:srgbClr val="E46A73"/>
+                </a:solidFill>
+                <a:latin typeface="나눔스퀘어" panose="020B0600000101010101" pitchFamily="50" charset="-127"/>
+                <a:ea typeface="나눔스퀘어" panose="020B0600000101010101" pitchFamily="50" charset="-127"/>
+              </a:rPr>
+              <a:t>마이페이지</a:t>
+            </a:r>
+            <a:r>
+              <a:rPr lang="ko-KR" altLang="en-US" sz="1200" dirty="0" smtClean="0">
+                <a:solidFill>
+                  <a:srgbClr val="E46A73"/>
+                </a:solidFill>
+                <a:latin typeface="나눔스퀘어" panose="020B0600000101010101" pitchFamily="50" charset="-127"/>
+                <a:ea typeface="나눔스퀘어" panose="020B0600000101010101" pitchFamily="50" charset="-127"/>
+              </a:rPr>
+              <a:t> 기능</a:t>
+            </a:r>
+            <a:endParaRPr lang="en-US" altLang="ko-KR" sz="1200" dirty="0" smtClean="0">
+              <a:solidFill>
+                <a:srgbClr val="E46A73"/>
+              </a:solidFill>
+              <a:latin typeface="나눔스퀘어" panose="020B0600000101010101" pitchFamily="50" charset="-127"/>
+              <a:ea typeface="나눔스퀘어" panose="020B0600000101010101" pitchFamily="50" charset="-127"/>
+            </a:endParaRPr>
+          </a:p>
+          <a:p>
+            <a:pPr algn="l"/>
+            <a:endParaRPr lang="en-US" altLang="ko-KR" sz="1200" dirty="0">
+              <a:solidFill>
+                <a:srgbClr val="E46A73"/>
+              </a:solidFill>
+              <a:latin typeface="나눔스퀘어" panose="020B0600000101010101" pitchFamily="50" charset="-127"/>
+              <a:ea typeface="나눔스퀘어" panose="020B0600000101010101" pitchFamily="50" charset="-127"/>
+            </a:endParaRPr>
+          </a:p>
+        </p:txBody>
+      </p:sp>
+      <p:sp>
+        <p:nvSpPr>
+          <p:cNvPr id="32" name="TextBox 31"/>
+          <p:cNvSpPr txBox="1"/>
+          <p:nvPr/>
+        </p:nvSpPr>
+        <p:spPr>
+          <a:xfrm>
+            <a:off x="5099398" y="4741914"/>
+            <a:ext cx="399468" cy="707886"/>
+          </a:xfrm>
+          <a:prstGeom prst="rect">
+            <a:avLst/>
+          </a:prstGeom>
+          <a:noFill/>
+        </p:spPr>
+        <p:txBody>
+          <a:bodyPr wrap="none" rtlCol="0">
+            <a:spAutoFit/>
+          </a:bodyPr>
+          <a:lstStyle/>
+          <a:p>
+            <a:pPr algn="ctr"/>
+            <a:r>
+              <a:rPr lang="en-US" altLang="ko-KR" sz="4000" spc="-150" dirty="0" smtClean="0">
+                <a:ln>
+                  <a:solidFill>
+                    <a:schemeClr val="accent1">
+                      <a:alpha val="0"/>
+                    </a:schemeClr>
+                  </a:solidFill>
+                </a:ln>
+                <a:solidFill>
+                  <a:srgbClr val="529FC6"/>
+                </a:solidFill>
+                <a:latin typeface="나눔스퀘어 Light" panose="020B0600000101010101" pitchFamily="50" charset="-127"/>
+                <a:ea typeface="나눔스퀘어 Light" panose="020B0600000101010101" pitchFamily="50" charset="-127"/>
+              </a:rPr>
+              <a:t>5</a:t>
+            </a:r>
+            <a:endParaRPr lang="ko-KR" altLang="en-US" sz="4000" spc="-150" dirty="0">
+              <a:ln>
+                <a:solidFill>
+                  <a:schemeClr val="accent1">
+                    <a:alpha val="0"/>
+                  </a:schemeClr>
+                </a:solidFill>
+              </a:ln>
+              <a:solidFill>
+                <a:srgbClr val="529FC6"/>
+              </a:solidFill>
+              <a:latin typeface="나눔스퀘어 Light" panose="020B0600000101010101" pitchFamily="50" charset="-127"/>
+              <a:ea typeface="나눔스퀘어 Light" panose="020B0600000101010101" pitchFamily="50" charset="-127"/>
+            </a:endParaRPr>
+          </a:p>
+        </p:txBody>
+      </p:sp>
+      <p:sp>
+        <p:nvSpPr>
+          <p:cNvPr id="33" name="TextBox 32"/>
+          <p:cNvSpPr txBox="1"/>
+          <p:nvPr/>
+        </p:nvSpPr>
+        <p:spPr>
+          <a:xfrm>
+            <a:off x="6196430" y="5020120"/>
+            <a:ext cx="1027845" cy="276999"/>
+          </a:xfrm>
+          <a:prstGeom prst="rect">
+            <a:avLst/>
+          </a:prstGeom>
+          <a:noFill/>
+        </p:spPr>
+        <p:txBody>
+          <a:bodyPr wrap="none" rtlCol="0">
+            <a:spAutoFit/>
+          </a:bodyPr>
+          <a:lstStyle>
+            <a:defPPr>
+              <a:defRPr lang="ko-KR"/>
+            </a:defPPr>
+            <a:lvl1pPr algn="ctr">
+              <a:defRPr sz="1100" spc="300">
+                <a:ln>
+                  <a:solidFill>
+                    <a:schemeClr val="accent1">
+                      <a:alpha val="0"/>
+                    </a:schemeClr>
+                  </a:solidFill>
+                </a:ln>
+                <a:latin typeface="나눔명조" panose="02020603020101020101" pitchFamily="18" charset="-127"/>
+                <a:ea typeface="나눔명조" panose="02020603020101020101" pitchFamily="18" charset="-127"/>
+              </a:defRPr>
+            </a:lvl1pPr>
+          </a:lstStyle>
+          <a:p>
+            <a:pPr algn="l"/>
+            <a:r>
+              <a:rPr lang="ko-KR" altLang="en-US" sz="1200" dirty="0" smtClean="0">
+                <a:solidFill>
+                  <a:srgbClr val="529FC6"/>
+                </a:solidFill>
+                <a:latin typeface="나눔스퀘어" panose="020B0600000101010101" pitchFamily="50" charset="-127"/>
+                <a:ea typeface="나눔스퀘어" panose="020B0600000101010101" pitchFamily="50" charset="-127"/>
+              </a:rPr>
+              <a:t>주문 기능</a:t>
+            </a:r>
+            <a:endParaRPr lang="en-US" altLang="ko-KR" sz="1200" dirty="0" smtClean="0">
+              <a:solidFill>
+                <a:srgbClr val="529FC6"/>
+              </a:solidFill>
+              <a:latin typeface="나눔스퀘어" panose="020B0600000101010101" pitchFamily="50" charset="-127"/>
+              <a:ea typeface="나눔스퀘어" panose="020B0600000101010101" pitchFamily="50" charset="-127"/>
+            </a:endParaRPr>
+          </a:p>
+        </p:txBody>
+      </p:sp>
+    </p:spTree>
+    <p:extLst>
+      <p:ext uri="{BB962C8B-B14F-4D97-AF65-F5344CB8AC3E}">
+        <p14:creationId xmlns:p14="http://schemas.microsoft.com/office/powerpoint/2010/main" val="3636367559"/>
+      </p:ext>
+    </p:extLst>
+  </p:cSld>
+  <p:clrMapOvr>
+    <a:overrideClrMapping bg1="lt1" tx1="dk1" bg2="lt2" tx2="dk2" accent1="accent1" accent2="accent2" accent3="accent3" accent4="accent4" accent5="accent5" accent6="accent6" hlink="hlink" folHlink="folHlink"/>
+  </p:clrMapOvr>
+  <p:timing>
+    <p:tnLst>
+      <p:par>
+        <p:cTn id="1" dur="indefinite" restart="never" nodeType="tmRoot"/>
+      </p:par>
+    </p:tnLst>
+  </p:timing>
+</p:sld>
+</file>
+
+<file path=ppt/slides/slide3.xml><?xml version="1.0" encoding="utf-8"?>
+<p:sld xmlns:a="http://schemas.openxmlformats.org/drawingml/2006/main" xmlns:r="http://schemas.openxmlformats.org/officeDocument/2006/relationships" xmlns:p="http://schemas.openxmlformats.org/presentationml/2006/main">
+  <p:cSld>
+    <p:bg>
+      <p:bgPr>
+        <a:solidFill>
+          <a:srgbClr val="F2F2F2"/>
+        </a:solidFill>
+        <a:effectLst/>
+      </p:bgPr>
+    </p:bg>
+    <p:spTree>
+      <p:nvGrpSpPr>
+        <p:cNvPr id="1" name=""/>
+        <p:cNvGrpSpPr/>
+        <p:nvPr/>
+      </p:nvGrpSpPr>
+      <p:grpSpPr>
+        <a:xfrm>
+          <a:off x="0" y="0"/>
+          <a:ext cx="0" cy="0"/>
+          <a:chOff x="0" y="0"/>
+          <a:chExt cx="0" cy="0"/>
+        </a:xfrm>
+      </p:grpSpPr>
+      <p:cxnSp>
+        <p:nvCxnSpPr>
+          <p:cNvPr id="11" name="직선 연결선 10"/>
+          <p:cNvCxnSpPr/>
+          <p:nvPr/>
+        </p:nvCxnSpPr>
+        <p:spPr>
+          <a:xfrm>
+            <a:off x="2671567" y="875892"/>
+            <a:ext cx="6848867" cy="0"/>
+          </a:xfrm>
+          <a:prstGeom prst="line">
+            <a:avLst/>
+          </a:prstGeom>
+          <a:ln>
+            <a:solidFill>
+              <a:schemeClr val="tx1">
+                <a:lumMod val="75000"/>
+                <a:lumOff val="25000"/>
+                <a:alpha val="29000"/>
+              </a:schemeClr>
+            </a:solidFill>
+          </a:ln>
+        </p:spPr>
+        <p:style>
+          <a:lnRef idx="1">
+            <a:schemeClr val="accent1"/>
+          </a:lnRef>
+          <a:fillRef idx="0">
+            <a:schemeClr val="accent1"/>
+          </a:fillRef>
+          <a:effectRef idx="0">
+            <a:schemeClr val="accent1"/>
+          </a:effectRef>
+          <a:fontRef idx="minor">
+            <a:schemeClr val="tx1"/>
+          </a:fontRef>
+        </p:style>
+      </p:cxnSp>
+      <p:sp>
+        <p:nvSpPr>
+          <p:cNvPr id="12" name="직사각형 11"/>
+          <p:cNvSpPr/>
+          <p:nvPr/>
+        </p:nvSpPr>
+        <p:spPr>
+          <a:xfrm>
+            <a:off x="1" y="1"/>
+            <a:ext cx="232756" cy="232756"/>
+          </a:xfrm>
+          <a:prstGeom prst="rect">
+            <a:avLst/>
+          </a:prstGeom>
+          <a:solidFill>
+            <a:srgbClr val="529FC6">
+              <a:alpha val="69000"/>
+            </a:srgbClr>
+          </a:solidFill>
+          <a:ln>
+            <a:noFill/>
+          </a:ln>
+        </p:spPr>
+        <p:style>
+          <a:lnRef idx="2">
+            <a:schemeClr val="accent1">
+              <a:shade val="50000"/>
+            </a:schemeClr>
+          </a:lnRef>
+          <a:fillRef idx="1">
+            <a:schemeClr val="accent1"/>
+          </a:fillRef>
+          <a:effectRef idx="0">
+            <a:schemeClr val="accent1"/>
+          </a:effectRef>
+          <a:fontRef idx="minor">
+            <a:schemeClr val="lt1"/>
+          </a:fontRef>
+        </p:style>
+        <p:txBody>
+          <a:bodyPr rtlCol="0" anchor="ctr"/>
+          <a:lstStyle/>
+          <a:p>
+            <a:pPr algn="ctr"/>
+            <a:endParaRPr lang="ko-KR" altLang="en-US"/>
+          </a:p>
+        </p:txBody>
+      </p:sp>
+      <p:sp>
+        <p:nvSpPr>
+          <p:cNvPr id="13" name="직사각형 12"/>
+          <p:cNvSpPr/>
+          <p:nvPr/>
+        </p:nvSpPr>
+        <p:spPr>
+          <a:xfrm>
+            <a:off x="11959244" y="6625244"/>
+            <a:ext cx="232756" cy="232756"/>
+          </a:xfrm>
+          <a:prstGeom prst="rect">
+            <a:avLst/>
+          </a:prstGeom>
+          <a:solidFill>
+            <a:srgbClr val="E46A73">
+              <a:alpha val="69000"/>
+            </a:srgbClr>
+          </a:solidFill>
+          <a:ln>
+            <a:noFill/>
+          </a:ln>
+        </p:spPr>
+        <p:style>
+          <a:lnRef idx="2">
+            <a:schemeClr val="accent1">
+              <a:shade val="50000"/>
+            </a:schemeClr>
+          </a:lnRef>
+          <a:fillRef idx="1">
+            <a:schemeClr val="accent1"/>
+          </a:fillRef>
+          <a:effectRef idx="0">
+            <a:schemeClr val="accent1"/>
+          </a:effectRef>
+          <a:fontRef idx="minor">
+            <a:schemeClr val="lt1"/>
+          </a:fontRef>
+        </p:style>
+        <p:txBody>
+          <a:bodyPr rtlCol="0" anchor="ctr"/>
+          <a:lstStyle/>
+          <a:p>
+            <a:pPr algn="ctr"/>
+            <a:endParaRPr lang="ko-KR" altLang="en-US"/>
+          </a:p>
+        </p:txBody>
+      </p:sp>
+      <p:sp>
+        <p:nvSpPr>
+          <p:cNvPr id="14" name="직사각형 13"/>
+          <p:cNvSpPr/>
+          <p:nvPr/>
+        </p:nvSpPr>
+        <p:spPr>
+          <a:xfrm>
+            <a:off x="1" y="6625244"/>
+            <a:ext cx="232756" cy="232756"/>
+          </a:xfrm>
+          <a:prstGeom prst="rect">
+            <a:avLst/>
+          </a:prstGeom>
+          <a:solidFill>
+            <a:srgbClr val="529FC6">
+              <a:alpha val="69000"/>
+            </a:srgbClr>
+          </a:solidFill>
+          <a:ln>
+            <a:noFill/>
+          </a:ln>
+        </p:spPr>
+        <p:style>
+          <a:lnRef idx="2">
+            <a:schemeClr val="accent1">
+              <a:shade val="50000"/>
+            </a:schemeClr>
+          </a:lnRef>
+          <a:fillRef idx="1">
+            <a:schemeClr val="accent1"/>
+          </a:fillRef>
+          <a:effectRef idx="0">
+            <a:schemeClr val="accent1"/>
+          </a:effectRef>
+          <a:fontRef idx="minor">
+            <a:schemeClr val="lt1"/>
+          </a:fontRef>
+        </p:style>
+        <p:txBody>
+          <a:bodyPr rtlCol="0" anchor="ctr"/>
+          <a:lstStyle/>
+          <a:p>
+            <a:pPr algn="ctr"/>
+            <a:endParaRPr lang="ko-KR" altLang="en-US"/>
+          </a:p>
+        </p:txBody>
+      </p:sp>
+      <p:sp>
+        <p:nvSpPr>
+          <p:cNvPr id="15" name="직사각형 14"/>
+          <p:cNvSpPr/>
+          <p:nvPr/>
+        </p:nvSpPr>
+        <p:spPr>
+          <a:xfrm>
+            <a:off x="11959244" y="0"/>
+            <a:ext cx="232756" cy="232756"/>
+          </a:xfrm>
+          <a:prstGeom prst="rect">
+            <a:avLst/>
+          </a:prstGeom>
+          <a:solidFill>
+            <a:srgbClr val="E46A73">
+              <a:alpha val="69000"/>
+            </a:srgbClr>
+          </a:solidFill>
+          <a:ln>
+            <a:noFill/>
+          </a:ln>
+        </p:spPr>
+        <p:style>
+          <a:lnRef idx="2">
+            <a:schemeClr val="accent1">
+              <a:shade val="50000"/>
+            </a:schemeClr>
+          </a:lnRef>
+          <a:fillRef idx="1">
+            <a:schemeClr val="accent1"/>
+          </a:fillRef>
+          <a:effectRef idx="0">
+            <a:schemeClr val="accent1"/>
+          </a:effectRef>
+          <a:fontRef idx="minor">
+            <a:schemeClr val="lt1"/>
+          </a:fontRef>
+        </p:style>
+        <p:txBody>
+          <a:bodyPr rtlCol="0" anchor="ctr"/>
+          <a:lstStyle/>
+          <a:p>
+            <a:pPr algn="ctr"/>
+            <a:endParaRPr lang="ko-KR" altLang="en-US"/>
+          </a:p>
+        </p:txBody>
+      </p:sp>
+      <p:sp>
+        <p:nvSpPr>
+          <p:cNvPr id="16" name="직사각형 15"/>
+          <p:cNvSpPr/>
+          <p:nvPr/>
+        </p:nvSpPr>
+        <p:spPr>
+          <a:xfrm>
+            <a:off x="0" y="232756"/>
+            <a:ext cx="232756" cy="232756"/>
+          </a:xfrm>
+          <a:prstGeom prst="rect">
+            <a:avLst/>
+          </a:prstGeom>
+          <a:solidFill>
+            <a:srgbClr val="E46A73">
+              <a:alpha val="69000"/>
+            </a:srgbClr>
+          </a:solidFill>
+          <a:ln>
+            <a:noFill/>
+          </a:ln>
+        </p:spPr>
+        <p:style>
+          <a:lnRef idx="2">
+            <a:schemeClr val="accent1">
+              <a:shade val="50000"/>
+            </a:schemeClr>
+          </a:lnRef>
+          <a:fillRef idx="1">
+            <a:schemeClr val="accent1"/>
+          </a:fillRef>
+          <a:effectRef idx="0">
+            <a:schemeClr val="accent1"/>
+          </a:effectRef>
+          <a:fontRef idx="minor">
+            <a:schemeClr val="lt1"/>
+          </a:fontRef>
+        </p:style>
+        <p:txBody>
+          <a:bodyPr rtlCol="0" anchor="ctr"/>
+          <a:lstStyle/>
+          <a:p>
+            <a:pPr algn="ctr"/>
+            <a:endParaRPr lang="ko-KR" altLang="en-US"/>
+          </a:p>
+        </p:txBody>
+      </p:sp>
+      <p:sp>
+        <p:nvSpPr>
+          <p:cNvPr id="18" name="직사각형 17"/>
+          <p:cNvSpPr/>
+          <p:nvPr/>
+        </p:nvSpPr>
+        <p:spPr>
+          <a:xfrm>
+            <a:off x="232756" y="0"/>
+            <a:ext cx="232756" cy="232756"/>
+          </a:xfrm>
+          <a:prstGeom prst="rect">
+            <a:avLst/>
+          </a:prstGeom>
+          <a:solidFill>
+            <a:srgbClr val="E46A73">
+              <a:alpha val="69000"/>
+            </a:srgbClr>
+          </a:solidFill>
+          <a:ln>
+            <a:noFill/>
+          </a:ln>
+        </p:spPr>
+        <p:style>
+          <a:lnRef idx="2">
+            <a:schemeClr val="accent1">
+              <a:shade val="50000"/>
+            </a:schemeClr>
+          </a:lnRef>
+          <a:fillRef idx="1">
+            <a:schemeClr val="accent1"/>
+          </a:fillRef>
+          <a:effectRef idx="0">
+            <a:schemeClr val="accent1"/>
+          </a:effectRef>
+          <a:fontRef idx="minor">
+            <a:schemeClr val="lt1"/>
+          </a:fontRef>
+        </p:style>
+        <p:txBody>
+          <a:bodyPr rtlCol="0" anchor="ctr"/>
+          <a:lstStyle/>
+          <a:p>
+            <a:pPr algn="ctr"/>
+            <a:endParaRPr lang="ko-KR" altLang="en-US"/>
+          </a:p>
+        </p:txBody>
+      </p:sp>
+      <p:sp>
+        <p:nvSpPr>
+          <p:cNvPr id="23" name="직사각형 22"/>
+          <p:cNvSpPr/>
+          <p:nvPr/>
+        </p:nvSpPr>
+        <p:spPr>
+          <a:xfrm>
+            <a:off x="0" y="6392487"/>
+            <a:ext cx="232756" cy="232756"/>
+          </a:xfrm>
+          <a:prstGeom prst="rect">
+            <a:avLst/>
+          </a:prstGeom>
+          <a:solidFill>
+            <a:srgbClr val="E46A73">
+              <a:alpha val="69000"/>
+            </a:srgbClr>
+          </a:solidFill>
+          <a:ln>
+            <a:noFill/>
+          </a:ln>
+        </p:spPr>
+        <p:style>
+          <a:lnRef idx="2">
+            <a:schemeClr val="accent1">
+              <a:shade val="50000"/>
+            </a:schemeClr>
+          </a:lnRef>
+          <a:fillRef idx="1">
+            <a:schemeClr val="accent1"/>
+          </a:fillRef>
+          <a:effectRef idx="0">
+            <a:schemeClr val="accent1"/>
+          </a:effectRef>
+          <a:fontRef idx="minor">
+            <a:schemeClr val="lt1"/>
+          </a:fontRef>
+        </p:style>
+        <p:txBody>
+          <a:bodyPr rtlCol="0" anchor="ctr"/>
+          <a:lstStyle/>
+          <a:p>
+            <a:pPr algn="ctr"/>
+            <a:endParaRPr lang="ko-KR" altLang="en-US"/>
+          </a:p>
+        </p:txBody>
+      </p:sp>
+      <p:sp>
+        <p:nvSpPr>
+          <p:cNvPr id="24" name="직사각형 23"/>
+          <p:cNvSpPr/>
+          <p:nvPr/>
+        </p:nvSpPr>
+        <p:spPr>
+          <a:xfrm>
+            <a:off x="232756" y="6625243"/>
+            <a:ext cx="232756" cy="232756"/>
+          </a:xfrm>
+          <a:prstGeom prst="rect">
+            <a:avLst/>
+          </a:prstGeom>
+          <a:solidFill>
+            <a:srgbClr val="E46A73">
+              <a:alpha val="69000"/>
+            </a:srgbClr>
+          </a:solidFill>
+          <a:ln>
+            <a:noFill/>
+          </a:ln>
+        </p:spPr>
+        <p:style>
+          <a:lnRef idx="2">
+            <a:schemeClr val="accent1">
+              <a:shade val="50000"/>
+            </a:schemeClr>
+          </a:lnRef>
+          <a:fillRef idx="1">
+            <a:schemeClr val="accent1"/>
+          </a:fillRef>
+          <a:effectRef idx="0">
+            <a:schemeClr val="accent1"/>
+          </a:effectRef>
+          <a:fontRef idx="minor">
+            <a:schemeClr val="lt1"/>
+          </a:fontRef>
+        </p:style>
+        <p:txBody>
+          <a:bodyPr rtlCol="0" anchor="ctr"/>
+          <a:lstStyle/>
+          <a:p>
+            <a:pPr algn="ctr"/>
+            <a:endParaRPr lang="ko-KR" altLang="en-US"/>
+          </a:p>
+        </p:txBody>
+      </p:sp>
+      <p:sp>
+        <p:nvSpPr>
+          <p:cNvPr id="25" name="직사각형 24"/>
+          <p:cNvSpPr/>
+          <p:nvPr/>
+        </p:nvSpPr>
+        <p:spPr>
+          <a:xfrm>
+            <a:off x="11726488" y="0"/>
+            <a:ext cx="232756" cy="232756"/>
+          </a:xfrm>
+          <a:prstGeom prst="rect">
+            <a:avLst/>
+          </a:prstGeom>
+          <a:solidFill>
+            <a:srgbClr val="529FC6">
+              <a:alpha val="69000"/>
+            </a:srgbClr>
+          </a:solidFill>
+          <a:ln>
+            <a:noFill/>
+          </a:ln>
+        </p:spPr>
+        <p:style>
+          <a:lnRef idx="2">
+            <a:schemeClr val="accent1">
+              <a:shade val="50000"/>
+            </a:schemeClr>
+          </a:lnRef>
+          <a:fillRef idx="1">
+            <a:schemeClr val="accent1"/>
+          </a:fillRef>
+          <a:effectRef idx="0">
+            <a:schemeClr val="accent1"/>
+          </a:effectRef>
+          <a:fontRef idx="minor">
+            <a:schemeClr val="lt1"/>
+          </a:fontRef>
+        </p:style>
+        <p:txBody>
+          <a:bodyPr rtlCol="0" anchor="ctr"/>
+          <a:lstStyle/>
+          <a:p>
+            <a:pPr algn="ctr"/>
+            <a:endParaRPr lang="ko-KR" altLang="en-US"/>
+          </a:p>
+        </p:txBody>
+      </p:sp>
+      <p:sp>
+        <p:nvSpPr>
+          <p:cNvPr id="26" name="직사각형 25"/>
+          <p:cNvSpPr/>
+          <p:nvPr/>
+        </p:nvSpPr>
+        <p:spPr>
+          <a:xfrm>
+            <a:off x="11959244" y="232756"/>
+            <a:ext cx="232756" cy="232756"/>
+          </a:xfrm>
+          <a:prstGeom prst="rect">
+            <a:avLst/>
+          </a:prstGeom>
+          <a:solidFill>
+            <a:srgbClr val="529FC6">
+              <a:alpha val="69000"/>
+            </a:srgbClr>
+          </a:solidFill>
+          <a:ln>
+            <a:noFill/>
+          </a:ln>
+        </p:spPr>
+        <p:style>
+          <a:lnRef idx="2">
+            <a:schemeClr val="accent1">
+              <a:shade val="50000"/>
+            </a:schemeClr>
+          </a:lnRef>
+          <a:fillRef idx="1">
+            <a:schemeClr val="accent1"/>
+          </a:fillRef>
+          <a:effectRef idx="0">
+            <a:schemeClr val="accent1"/>
+          </a:effectRef>
+          <a:fontRef idx="minor">
+            <a:schemeClr val="lt1"/>
+          </a:fontRef>
+        </p:style>
+        <p:txBody>
+          <a:bodyPr rtlCol="0" anchor="ctr"/>
+          <a:lstStyle/>
+          <a:p>
+            <a:pPr algn="ctr"/>
+            <a:endParaRPr lang="ko-KR" altLang="en-US"/>
+          </a:p>
+        </p:txBody>
+      </p:sp>
+      <p:sp>
+        <p:nvSpPr>
+          <p:cNvPr id="27" name="직사각형 26"/>
+          <p:cNvSpPr/>
+          <p:nvPr/>
+        </p:nvSpPr>
+        <p:spPr>
+          <a:xfrm>
+            <a:off x="11726488" y="6625244"/>
+            <a:ext cx="232756" cy="232756"/>
+          </a:xfrm>
+          <a:prstGeom prst="rect">
+            <a:avLst/>
+          </a:prstGeom>
+          <a:solidFill>
+            <a:srgbClr val="529FC6">
+              <a:alpha val="69000"/>
+            </a:srgbClr>
+          </a:solidFill>
+          <a:ln>
+            <a:noFill/>
+          </a:ln>
+        </p:spPr>
+        <p:style>
+          <a:lnRef idx="2">
+            <a:schemeClr val="accent1">
+              <a:shade val="50000"/>
+            </a:schemeClr>
+          </a:lnRef>
+          <a:fillRef idx="1">
+            <a:schemeClr val="accent1"/>
+          </a:fillRef>
+          <a:effectRef idx="0">
+            <a:schemeClr val="accent1"/>
+          </a:effectRef>
+          <a:fontRef idx="minor">
+            <a:schemeClr val="lt1"/>
+          </a:fontRef>
+        </p:style>
+        <p:txBody>
+          <a:bodyPr rtlCol="0" anchor="ctr"/>
+          <a:lstStyle/>
+          <a:p>
+            <a:pPr algn="ctr"/>
+            <a:endParaRPr lang="ko-KR" altLang="en-US"/>
+          </a:p>
+        </p:txBody>
+      </p:sp>
+      <p:sp>
+        <p:nvSpPr>
+          <p:cNvPr id="28" name="직사각형 27"/>
+          <p:cNvSpPr/>
+          <p:nvPr/>
+        </p:nvSpPr>
+        <p:spPr>
+          <a:xfrm>
+            <a:off x="11959244" y="6392487"/>
+            <a:ext cx="232756" cy="232756"/>
+          </a:xfrm>
+          <a:prstGeom prst="rect">
+            <a:avLst/>
+          </a:prstGeom>
+          <a:solidFill>
+            <a:srgbClr val="529FC6">
+              <a:alpha val="69000"/>
+            </a:srgbClr>
+          </a:solidFill>
+          <a:ln>
+            <a:noFill/>
+          </a:ln>
+        </p:spPr>
+        <p:style>
+          <a:lnRef idx="2">
+            <a:schemeClr val="accent1">
+              <a:shade val="50000"/>
+            </a:schemeClr>
+          </a:lnRef>
+          <a:fillRef idx="1">
+            <a:schemeClr val="accent1"/>
+          </a:fillRef>
+          <a:effectRef idx="0">
+            <a:schemeClr val="accent1"/>
+          </a:effectRef>
+          <a:fontRef idx="minor">
+            <a:schemeClr val="lt1"/>
+          </a:fontRef>
+        </p:style>
+        <p:txBody>
+          <a:bodyPr rtlCol="0" anchor="ctr"/>
+          <a:lstStyle/>
+          <a:p>
+            <a:pPr algn="ctr"/>
+            <a:endParaRPr lang="ko-KR" altLang="en-US"/>
+          </a:p>
+        </p:txBody>
+      </p:sp>
+      <p:sp>
+        <p:nvSpPr>
+          <p:cNvPr id="29" name="TextBox 28"/>
+          <p:cNvSpPr txBox="1"/>
+          <p:nvPr/>
+        </p:nvSpPr>
+        <p:spPr>
+          <a:xfrm>
+            <a:off x="5270329" y="465512"/>
+            <a:ext cx="1651349" cy="369332"/>
+          </a:xfrm>
+          <a:prstGeom prst="rect">
+            <a:avLst/>
+          </a:prstGeom>
+          <a:noFill/>
+        </p:spPr>
+        <p:txBody>
+          <a:bodyPr wrap="none" rtlCol="0">
+            <a:spAutoFit/>
+          </a:bodyPr>
+          <a:lstStyle/>
+          <a:p>
+            <a:pPr algn="ctr"/>
+            <a:r>
+              <a:rPr lang="en-US" altLang="ko-KR" spc="-150" dirty="0" smtClean="0">
+                <a:ln>
+                  <a:solidFill>
+                    <a:schemeClr val="accent1">
+                      <a:alpha val="0"/>
+                    </a:schemeClr>
+                  </a:solidFill>
+                </a:ln>
+                <a:solidFill>
+                  <a:schemeClr val="tx1">
+                    <a:lumMod val="85000"/>
+                    <a:lumOff val="15000"/>
+                    <a:alpha val="66000"/>
+                  </a:schemeClr>
+                </a:solidFill>
+                <a:latin typeface="나눔스퀘어 ExtraBold" panose="020B0600000101010101" pitchFamily="50" charset="-127"/>
+                <a:ea typeface="나눔스퀘어 ExtraBold" panose="020B0600000101010101" pitchFamily="50" charset="-127"/>
+              </a:rPr>
+              <a:t>Web  Page Elements </a:t>
+            </a:r>
+            <a:endParaRPr lang="en-US" altLang="ko-KR" spc="-150" dirty="0">
+              <a:ln>
+                <a:solidFill>
+                  <a:schemeClr val="accent1">
+                    <a:alpha val="0"/>
+                  </a:schemeClr>
+                </a:solidFill>
+              </a:ln>
+              <a:solidFill>
+                <a:schemeClr val="tx1">
+                  <a:lumMod val="85000"/>
+                  <a:lumOff val="15000"/>
+                  <a:alpha val="66000"/>
+                </a:schemeClr>
+              </a:solidFill>
+              <a:latin typeface="나눔스퀘어 ExtraBold" panose="020B0600000101010101" pitchFamily="50" charset="-127"/>
+              <a:ea typeface="나눔스퀘어 ExtraBold" panose="020B0600000101010101" pitchFamily="50" charset="-127"/>
+            </a:endParaRPr>
+          </a:p>
+        </p:txBody>
+      </p:sp>
+      <p:sp>
+        <p:nvSpPr>
+          <p:cNvPr id="30" name="직사각형 29"/>
+          <p:cNvSpPr/>
+          <p:nvPr/>
+        </p:nvSpPr>
+        <p:spPr>
+          <a:xfrm>
+            <a:off x="2671567" y="763588"/>
+            <a:ext cx="93642" cy="93642"/>
+          </a:xfrm>
+          <a:prstGeom prst="rect">
+            <a:avLst/>
+          </a:prstGeom>
+          <a:solidFill>
+            <a:srgbClr val="E46A73">
+              <a:alpha val="69000"/>
+            </a:srgbClr>
+          </a:solidFill>
+          <a:ln>
+            <a:noFill/>
+          </a:ln>
+        </p:spPr>
+        <p:style>
+          <a:lnRef idx="2">
+            <a:schemeClr val="accent1">
+              <a:shade val="50000"/>
+            </a:schemeClr>
+          </a:lnRef>
+          <a:fillRef idx="1">
+            <a:schemeClr val="accent1"/>
+          </a:fillRef>
+          <a:effectRef idx="0">
+            <a:schemeClr val="accent1"/>
+          </a:effectRef>
+          <a:fontRef idx="minor">
+            <a:schemeClr val="lt1"/>
+          </a:fontRef>
+        </p:style>
+        <p:txBody>
+          <a:bodyPr rtlCol="0" anchor="ctr"/>
+          <a:lstStyle/>
+          <a:p>
+            <a:pPr algn="ctr"/>
+            <a:endParaRPr lang="ko-KR" altLang="en-US"/>
+          </a:p>
+        </p:txBody>
+      </p:sp>
+      <p:sp>
+        <p:nvSpPr>
+          <p:cNvPr id="31" name="직사각형 30"/>
+          <p:cNvSpPr/>
+          <p:nvPr/>
+        </p:nvSpPr>
+        <p:spPr>
+          <a:xfrm>
+            <a:off x="9426789" y="761552"/>
+            <a:ext cx="93642" cy="93642"/>
+          </a:xfrm>
+          <a:prstGeom prst="rect">
+            <a:avLst/>
+          </a:prstGeom>
+          <a:solidFill>
+            <a:srgbClr val="529FC6">
+              <a:alpha val="69000"/>
+            </a:srgbClr>
+          </a:solidFill>
+          <a:ln>
+            <a:noFill/>
+          </a:ln>
+        </p:spPr>
+        <p:style>
+          <a:lnRef idx="2">
+            <a:schemeClr val="accent1">
+              <a:shade val="50000"/>
+            </a:schemeClr>
+          </a:lnRef>
+          <a:fillRef idx="1">
+            <a:schemeClr val="accent1"/>
+          </a:fillRef>
+          <a:effectRef idx="0">
+            <a:schemeClr val="accent1"/>
+          </a:effectRef>
+          <a:fontRef idx="minor">
+            <a:schemeClr val="lt1"/>
+          </a:fontRef>
+        </p:style>
+        <p:txBody>
+          <a:bodyPr rtlCol="0" anchor="ctr"/>
+          <a:lstStyle/>
+          <a:p>
+            <a:pPr algn="ctr"/>
+            <a:endParaRPr lang="ko-KR" altLang="en-US"/>
+          </a:p>
+        </p:txBody>
+      </p:sp>
+      <p:grpSp>
+        <p:nvGrpSpPr>
+          <p:cNvPr id="7" name="그룹 6"/>
+          <p:cNvGrpSpPr/>
+          <p:nvPr/>
+        </p:nvGrpSpPr>
+        <p:grpSpPr>
+          <a:xfrm>
+            <a:off x="1595438" y="1717087"/>
+            <a:ext cx="1415973" cy="530122"/>
+            <a:chOff x="1257387" y="1808527"/>
+            <a:chExt cx="1415973" cy="530122"/>
+          </a:xfrm>
+        </p:grpSpPr>
+        <p:sp>
+          <p:nvSpPr>
+            <p:cNvPr id="33" name="직사각형 32"/>
+            <p:cNvSpPr/>
+            <p:nvPr/>
+          </p:nvSpPr>
+          <p:spPr>
+            <a:xfrm>
+              <a:off x="1357746" y="2105893"/>
+              <a:ext cx="1315614" cy="232756"/>
+            </a:xfrm>
+            <a:prstGeom prst="rect">
+              <a:avLst/>
+            </a:prstGeom>
+            <a:solidFill>
+              <a:srgbClr val="529FC6">
+                <a:alpha val="27000"/>
+              </a:srgbClr>
+            </a:solidFill>
+            <a:ln>
+              <a:noFill/>
+            </a:ln>
+          </p:spPr>
+          <p:style>
+            <a:lnRef idx="2">
+              <a:schemeClr val="accent1">
+                <a:shade val="50000"/>
+              </a:schemeClr>
+            </a:lnRef>
+            <a:fillRef idx="1">
+              <a:schemeClr val="accent1"/>
+            </a:fillRef>
+            <a:effectRef idx="0">
+              <a:schemeClr val="accent1"/>
+            </a:effectRef>
+            <a:fontRef idx="minor">
+              <a:schemeClr val="lt1"/>
+            </a:fontRef>
+          </p:style>
+          <p:txBody>
+            <a:bodyPr rtlCol="0" anchor="ctr"/>
+            <a:lstStyle/>
+            <a:p>
+              <a:pPr algn="ctr"/>
+              <a:endParaRPr lang="ko-KR" altLang="en-US"/>
+            </a:p>
+          </p:txBody>
+        </p:sp>
+        <p:sp>
+          <p:nvSpPr>
+            <p:cNvPr id="39" name="TextBox 38"/>
+            <p:cNvSpPr txBox="1"/>
+            <p:nvPr/>
+          </p:nvSpPr>
+          <p:spPr>
+            <a:xfrm>
+              <a:off x="1257387" y="1808527"/>
+              <a:ext cx="785793" cy="369332"/>
+            </a:xfrm>
+            <a:prstGeom prst="rect">
+              <a:avLst/>
+            </a:prstGeom>
+            <a:noFill/>
+          </p:spPr>
+          <p:txBody>
+            <a:bodyPr wrap="none" rtlCol="0">
+              <a:spAutoFit/>
+            </a:bodyPr>
+            <a:lstStyle/>
+            <a:p>
+              <a:pPr algn="ctr"/>
+              <a:r>
+                <a:rPr lang="en-US" altLang="ko-KR" spc="-150" dirty="0" smtClean="0">
+                  <a:ln>
+                    <a:solidFill>
+                      <a:schemeClr val="accent1">
+                        <a:alpha val="0"/>
+                      </a:schemeClr>
+                    </a:solidFill>
+                  </a:ln>
+                  <a:solidFill>
+                    <a:srgbClr val="529FC6">
+                      <a:alpha val="66000"/>
+                    </a:srgbClr>
+                  </a:solidFill>
+                  <a:latin typeface="나눔스퀘어 ExtraBold" panose="020B0600000101010101" pitchFamily="50" charset="-127"/>
+                  <a:ea typeface="나눔스퀘어 ExtraBold" panose="020B0600000101010101" pitchFamily="50" charset="-127"/>
+                </a:rPr>
+                <a:t>Pom.xml</a:t>
+              </a:r>
+              <a:endParaRPr lang="en-US" altLang="ko-KR" spc="-150" dirty="0">
+                <a:ln>
+                  <a:solidFill>
+                    <a:schemeClr val="accent1">
+                      <a:alpha val="0"/>
+                    </a:schemeClr>
+                  </a:solidFill>
+                </a:ln>
+                <a:solidFill>
+                  <a:srgbClr val="529FC6">
+                    <a:alpha val="66000"/>
+                  </a:srgbClr>
+                </a:solidFill>
+                <a:latin typeface="나눔스퀘어 ExtraBold" panose="020B0600000101010101" pitchFamily="50" charset="-127"/>
+                <a:ea typeface="나눔스퀘어 ExtraBold" panose="020B0600000101010101" pitchFamily="50" charset="-127"/>
+              </a:endParaRPr>
+            </a:p>
+          </p:txBody>
+        </p:sp>
+      </p:grpSp>
+      <p:sp>
+        <p:nvSpPr>
+          <p:cNvPr id="38" name="직사각형 37"/>
+          <p:cNvSpPr/>
+          <p:nvPr/>
+        </p:nvSpPr>
+        <p:spPr>
+          <a:xfrm>
+            <a:off x="6057095" y="1836828"/>
+            <a:ext cx="1596158" cy="410381"/>
+          </a:xfrm>
+          <a:prstGeom prst="rect">
+            <a:avLst/>
+          </a:prstGeom>
+          <a:solidFill>
+            <a:srgbClr val="E46A73">
+              <a:alpha val="27000"/>
+            </a:srgbClr>
+          </a:solidFill>
+          <a:ln>
+            <a:noFill/>
+          </a:ln>
+        </p:spPr>
+        <p:style>
+          <a:lnRef idx="2">
+            <a:schemeClr val="accent1">
+              <a:shade val="50000"/>
+            </a:schemeClr>
+          </a:lnRef>
+          <a:fillRef idx="1">
+            <a:schemeClr val="accent1"/>
+          </a:fillRef>
+          <a:effectRef idx="0">
+            <a:schemeClr val="accent1"/>
+          </a:effectRef>
+          <a:fontRef idx="minor">
+            <a:schemeClr val="lt1"/>
+          </a:fontRef>
+        </p:style>
+        <p:txBody>
+          <a:bodyPr rtlCol="0" anchor="ctr"/>
+          <a:lstStyle/>
+          <a:p>
+            <a:pPr algn="ctr"/>
+            <a:endParaRPr lang="ko-KR" altLang="en-US"/>
+          </a:p>
+        </p:txBody>
+      </p:sp>
+      <p:sp>
+        <p:nvSpPr>
+          <p:cNvPr id="42" name="TextBox 41"/>
+          <p:cNvSpPr txBox="1"/>
+          <p:nvPr/>
+        </p:nvSpPr>
+        <p:spPr>
+          <a:xfrm>
+            <a:off x="1695796" y="2558457"/>
+            <a:ext cx="1416383" cy="830997"/>
+          </a:xfrm>
+          <a:prstGeom prst="rect">
+            <a:avLst/>
+          </a:prstGeom>
+          <a:noFill/>
+        </p:spPr>
+        <p:txBody>
+          <a:bodyPr wrap="square" rtlCol="0">
+            <a:spAutoFit/>
+          </a:bodyPr>
+          <a:lstStyle>
+            <a:defPPr>
+              <a:defRPr lang="ko-KR"/>
+            </a:defPPr>
+            <a:lvl1pPr>
+              <a:defRPr sz="1200">
+                <a:ln>
+                  <a:solidFill>
+                    <a:schemeClr val="accent1">
+                      <a:alpha val="0"/>
+                    </a:schemeClr>
+                  </a:solidFill>
+                </a:ln>
+                <a:solidFill>
+                  <a:schemeClr val="tx1">
+                    <a:lumMod val="85000"/>
+                    <a:lumOff val="15000"/>
+                  </a:schemeClr>
+                </a:solidFill>
+                <a:latin typeface="나눔스퀘어 Light" panose="020B0600000101010101" pitchFamily="50" charset="-127"/>
+                <a:ea typeface="나눔스퀘어 Light" panose="020B0600000101010101" pitchFamily="50" charset="-127"/>
+              </a:defRPr>
+            </a:lvl1pPr>
+          </a:lstStyle>
+          <a:p>
+            <a:pPr algn="ctr"/>
+            <a:r>
+              <a:rPr lang="ko-KR" altLang="en-US" dirty="0"/>
+              <a:t>프로젝트 정보 </a:t>
+            </a:r>
+            <a:r>
+              <a:rPr lang="ko-KR" altLang="en-US" dirty="0" smtClean="0"/>
+              <a:t>표시 </a:t>
+            </a:r>
+            <a:r>
+              <a:rPr lang="ko-KR" altLang="en-US" dirty="0"/>
+              <a:t>및</a:t>
+            </a:r>
+            <a:endParaRPr lang="en-US" altLang="ko-KR" dirty="0"/>
+          </a:p>
+          <a:p>
+            <a:pPr algn="ctr"/>
+            <a:r>
+              <a:rPr lang="ko-KR" altLang="en-US" dirty="0"/>
+              <a:t>라이브러리 설정 및 다운로드</a:t>
+            </a:r>
+            <a:endParaRPr lang="ko-KR" altLang="en-US" dirty="0"/>
+          </a:p>
+        </p:txBody>
+      </p:sp>
+      <p:sp>
+        <p:nvSpPr>
+          <p:cNvPr id="43" name="TextBox 42"/>
+          <p:cNvSpPr txBox="1"/>
+          <p:nvPr/>
+        </p:nvSpPr>
+        <p:spPr>
+          <a:xfrm>
+            <a:off x="6057095" y="2558457"/>
+            <a:ext cx="1693143" cy="276999"/>
+          </a:xfrm>
+          <a:prstGeom prst="rect">
+            <a:avLst/>
+          </a:prstGeom>
+          <a:noFill/>
+        </p:spPr>
+        <p:txBody>
+          <a:bodyPr wrap="square" rtlCol="0">
+            <a:spAutoFit/>
+          </a:bodyPr>
+          <a:lstStyle>
+            <a:defPPr>
+              <a:defRPr lang="ko-KR"/>
+            </a:defPPr>
+            <a:lvl1pPr>
+              <a:defRPr sz="1200">
+                <a:ln>
+                  <a:solidFill>
+                    <a:schemeClr val="accent1">
+                      <a:alpha val="0"/>
+                    </a:schemeClr>
+                  </a:solidFill>
+                </a:ln>
+                <a:solidFill>
+                  <a:schemeClr val="tx1">
+                    <a:lumMod val="85000"/>
+                    <a:lumOff val="15000"/>
+                  </a:schemeClr>
+                </a:solidFill>
+                <a:latin typeface="나눔스퀘어 Light" panose="020B0600000101010101" pitchFamily="50" charset="-127"/>
+                <a:ea typeface="나눔스퀘어 Light" panose="020B0600000101010101" pitchFamily="50" charset="-127"/>
+              </a:defRPr>
+            </a:lvl1pPr>
+          </a:lstStyle>
+          <a:p>
+            <a:pPr algn="ctr"/>
+            <a:r>
+              <a:rPr lang="ko-KR" altLang="en-US" dirty="0"/>
+              <a:t>자바 소스파일 </a:t>
+            </a:r>
+            <a:r>
+              <a:rPr lang="ko-KR" altLang="en-US" dirty="0" smtClean="0"/>
+              <a:t>위치</a:t>
+            </a:r>
+            <a:endParaRPr lang="ko-KR" altLang="en-US" dirty="0"/>
+          </a:p>
+        </p:txBody>
+      </p:sp>
+      <p:pic>
+        <p:nvPicPr>
+          <p:cNvPr id="44" name="그림 43"/>
+          <p:cNvPicPr>
+            <a:picLocks noChangeAspect="1"/>
+          </p:cNvPicPr>
+          <p:nvPr/>
+        </p:nvPicPr>
+        <p:blipFill>
+          <a:blip r:embed="rId3" cstate="print">
+            <a:extLst>
+              <a:ext uri="{28A0092B-C50C-407E-A947-70E740481C1C}">
+                <a14:useLocalDpi xmlns:a14="http://schemas.microsoft.com/office/drawing/2010/main" val="0"/>
+              </a:ext>
+            </a:extLst>
+          </a:blip>
+          <a:stretch>
+            <a:fillRect/>
+          </a:stretch>
+        </p:blipFill>
+        <p:spPr>
+          <a:xfrm>
+            <a:off x="7827364" y="1380309"/>
+            <a:ext cx="1592969" cy="2389453"/>
+          </a:xfrm>
+          <a:prstGeom prst="rect">
+            <a:avLst/>
+          </a:prstGeom>
+        </p:spPr>
+      </p:pic>
+      <p:pic>
+        <p:nvPicPr>
+          <p:cNvPr id="45" name="그림 44"/>
+          <p:cNvPicPr>
+            <a:picLocks noChangeAspect="1"/>
+          </p:cNvPicPr>
+          <p:nvPr/>
+        </p:nvPicPr>
+        <p:blipFill>
+          <a:blip r:embed="rId4" cstate="print">
+            <a:extLst>
+              <a:ext uri="{28A0092B-C50C-407E-A947-70E740481C1C}">
+                <a14:useLocalDpi xmlns:a14="http://schemas.microsoft.com/office/drawing/2010/main" val="0"/>
+              </a:ext>
+            </a:extLst>
+          </a:blip>
+          <a:stretch>
+            <a:fillRect/>
+          </a:stretch>
+        </p:blipFill>
+        <p:spPr>
+          <a:xfrm>
+            <a:off x="3130049" y="1380309"/>
+            <a:ext cx="1592968" cy="2389452"/>
+          </a:xfrm>
+          <a:prstGeom prst="rect">
+            <a:avLst/>
+          </a:prstGeom>
+        </p:spPr>
+      </p:pic>
+      <p:pic>
+        <p:nvPicPr>
+          <p:cNvPr id="32" name="그림 31"/>
+          <p:cNvPicPr>
+            <a:picLocks noChangeAspect="1"/>
+          </p:cNvPicPr>
+          <p:nvPr/>
+        </p:nvPicPr>
+        <p:blipFill>
+          <a:blip r:embed="rId4" cstate="print">
+            <a:extLst>
+              <a:ext uri="{28A0092B-C50C-407E-A947-70E740481C1C}">
+                <a14:useLocalDpi xmlns:a14="http://schemas.microsoft.com/office/drawing/2010/main" val="0"/>
+              </a:ext>
+            </a:extLst>
+          </a:blip>
+          <a:stretch>
+            <a:fillRect/>
+          </a:stretch>
+        </p:blipFill>
+        <p:spPr>
+          <a:xfrm>
+            <a:off x="3130049" y="4119413"/>
+            <a:ext cx="1592968" cy="2389452"/>
+          </a:xfrm>
+          <a:prstGeom prst="rect">
+            <a:avLst/>
+          </a:prstGeom>
+        </p:spPr>
+      </p:pic>
+      <p:pic>
+        <p:nvPicPr>
+          <p:cNvPr id="34" name="그림 33"/>
+          <p:cNvPicPr>
+            <a:picLocks noChangeAspect="1"/>
+          </p:cNvPicPr>
+          <p:nvPr/>
+        </p:nvPicPr>
+        <p:blipFill>
+          <a:blip r:embed="rId4" cstate="print">
+            <a:extLst>
+              <a:ext uri="{28A0092B-C50C-407E-A947-70E740481C1C}">
+                <a14:useLocalDpi xmlns:a14="http://schemas.microsoft.com/office/drawing/2010/main" val="0"/>
+              </a:ext>
+            </a:extLst>
+          </a:blip>
+          <a:stretch>
+            <a:fillRect/>
+          </a:stretch>
+        </p:blipFill>
+        <p:spPr>
+          <a:xfrm>
+            <a:off x="7845548" y="4105414"/>
+            <a:ext cx="1592968" cy="2389452"/>
+          </a:xfrm>
+          <a:prstGeom prst="rect">
+            <a:avLst/>
+          </a:prstGeom>
+        </p:spPr>
+      </p:pic>
+      <p:pic>
+        <p:nvPicPr>
+          <p:cNvPr id="35" name="그림 34">
+            <a:extLst>
+              <a:ext uri="{FF2B5EF4-FFF2-40B4-BE49-F238E27FC236}">
+                <a16:creationId xmlns:a16="http://schemas.microsoft.com/office/drawing/2014/main" xmlns="" id="{559D4520-5DC5-42A9-ABD8-22181770235A}"/>
+              </a:ext>
+            </a:extLst>
+          </p:cNvPr>
+          <p:cNvPicPr>
+            <a:picLocks noChangeAspect="1"/>
+          </p:cNvPicPr>
+          <p:nvPr/>
+        </p:nvPicPr>
+        <p:blipFill>
+          <a:blip r:embed="rId5"/>
+          <a:stretch>
+            <a:fillRect/>
+          </a:stretch>
+        </p:blipFill>
+        <p:spPr>
+          <a:xfrm>
+            <a:off x="3133856" y="1380309"/>
+            <a:ext cx="1647825" cy="2363526"/>
+          </a:xfrm>
+          <a:prstGeom prst="rect">
+            <a:avLst/>
+          </a:prstGeom>
+          <a:ln w="19050">
+            <a:solidFill>
+              <a:srgbClr val="F8B2A3"/>
+            </a:solidFill>
+          </a:ln>
+        </p:spPr>
+      </p:pic>
+      <p:sp>
+        <p:nvSpPr>
+          <p:cNvPr id="36" name="TextBox 35"/>
+          <p:cNvSpPr txBox="1"/>
+          <p:nvPr/>
+        </p:nvSpPr>
+        <p:spPr>
+          <a:xfrm>
+            <a:off x="6003999" y="1829787"/>
+            <a:ext cx="1649254" cy="369332"/>
+          </a:xfrm>
+          <a:prstGeom prst="rect">
+            <a:avLst/>
+          </a:prstGeom>
+          <a:noFill/>
+        </p:spPr>
+        <p:txBody>
+          <a:bodyPr wrap="square" rtlCol="0">
+            <a:spAutoFit/>
+          </a:bodyPr>
+          <a:lstStyle/>
+          <a:p>
+            <a:pPr algn="ctr"/>
+            <a:r>
+              <a:rPr lang="en-US" altLang="ko-KR" dirty="0" err="1">
+                <a:solidFill>
+                  <a:schemeClr val="bg1"/>
+                </a:solidFill>
+                <a:latin typeface="+mj-ea"/>
+              </a:rPr>
+              <a:t>src</a:t>
+            </a:r>
+            <a:r>
+              <a:rPr lang="en-US" altLang="ko-KR" dirty="0">
+                <a:solidFill>
+                  <a:schemeClr val="bg1"/>
+                </a:solidFill>
+                <a:latin typeface="+mj-ea"/>
+              </a:rPr>
+              <a:t>/main/java</a:t>
+            </a:r>
+            <a:endParaRPr lang="ko-KR" altLang="en-US" dirty="0">
+              <a:solidFill>
+                <a:schemeClr val="bg1"/>
+              </a:solidFill>
+              <a:latin typeface="+mj-ea"/>
+            </a:endParaRPr>
+          </a:p>
+        </p:txBody>
+      </p:sp>
+      <p:pic>
+        <p:nvPicPr>
+          <p:cNvPr id="41" name="그림 40">
+            <a:extLst>
+              <a:ext uri="{FF2B5EF4-FFF2-40B4-BE49-F238E27FC236}">
+                <a16:creationId xmlns:a16="http://schemas.microsoft.com/office/drawing/2014/main" xmlns="" id="{E39023F1-12AB-4C73-B163-72E9BF7D5EB0}"/>
+              </a:ext>
+            </a:extLst>
+          </p:cNvPr>
+          <p:cNvPicPr>
+            <a:picLocks noChangeAspect="1"/>
+          </p:cNvPicPr>
+          <p:nvPr/>
+        </p:nvPicPr>
+        <p:blipFill>
+          <a:blip r:embed="rId6"/>
+          <a:stretch>
+            <a:fillRect/>
+          </a:stretch>
+        </p:blipFill>
+        <p:spPr>
+          <a:xfrm>
+            <a:off x="7845548" y="1380309"/>
+            <a:ext cx="1647825" cy="2390775"/>
+          </a:xfrm>
+          <a:prstGeom prst="rect">
+            <a:avLst/>
+          </a:prstGeom>
+          <a:ln w="19050">
+            <a:solidFill>
+              <a:srgbClr val="F8B2A3"/>
+            </a:solidFill>
+          </a:ln>
+        </p:spPr>
+      </p:pic>
+      <p:grpSp>
+        <p:nvGrpSpPr>
+          <p:cNvPr id="46" name="그룹 45"/>
+          <p:cNvGrpSpPr/>
+          <p:nvPr/>
+        </p:nvGrpSpPr>
+        <p:grpSpPr>
+          <a:xfrm>
+            <a:off x="1616888" y="4416778"/>
+            <a:ext cx="1363778" cy="655241"/>
+            <a:chOff x="1309582" y="2105892"/>
+            <a:chExt cx="1363778" cy="655241"/>
+          </a:xfrm>
+        </p:grpSpPr>
+        <p:sp>
+          <p:nvSpPr>
+            <p:cNvPr id="47" name="직사각형 46"/>
+            <p:cNvSpPr/>
+            <p:nvPr/>
+          </p:nvSpPr>
+          <p:spPr>
+            <a:xfrm>
+              <a:off x="1309582" y="2105893"/>
+              <a:ext cx="1363778" cy="655240"/>
+            </a:xfrm>
+            <a:prstGeom prst="rect">
+              <a:avLst/>
+            </a:prstGeom>
+            <a:solidFill>
+              <a:srgbClr val="529FC6">
+                <a:alpha val="27000"/>
+              </a:srgbClr>
+            </a:solidFill>
+            <a:ln>
+              <a:noFill/>
+            </a:ln>
+          </p:spPr>
+          <p:style>
+            <a:lnRef idx="2">
+              <a:schemeClr val="accent1">
+                <a:shade val="50000"/>
+              </a:schemeClr>
+            </a:lnRef>
+            <a:fillRef idx="1">
+              <a:schemeClr val="accent1"/>
+            </a:fillRef>
+            <a:effectRef idx="0">
+              <a:schemeClr val="accent1"/>
+            </a:effectRef>
+            <a:fontRef idx="minor">
+              <a:schemeClr val="lt1"/>
+            </a:fontRef>
+          </p:style>
+          <p:txBody>
+            <a:bodyPr rtlCol="0" anchor="ctr"/>
+            <a:lstStyle/>
+            <a:p>
+              <a:pPr algn="ctr"/>
+              <a:endParaRPr lang="ko-KR" altLang="en-US"/>
+            </a:p>
+          </p:txBody>
+        </p:sp>
+        <p:sp>
+          <p:nvSpPr>
+            <p:cNvPr id="48" name="TextBox 47"/>
+            <p:cNvSpPr txBox="1"/>
+            <p:nvPr/>
+          </p:nvSpPr>
+          <p:spPr>
+            <a:xfrm>
+              <a:off x="1309582" y="2105892"/>
+              <a:ext cx="1258551" cy="646331"/>
+            </a:xfrm>
+            <a:prstGeom prst="rect">
+              <a:avLst/>
+            </a:prstGeom>
+            <a:noFill/>
+          </p:spPr>
+          <p:txBody>
+            <a:bodyPr wrap="none" rtlCol="0">
+              <a:spAutoFit/>
+            </a:bodyPr>
+            <a:lstStyle/>
+            <a:p>
+              <a:pPr algn="ctr"/>
+              <a:r>
+                <a:rPr lang="en-US" altLang="ko-KR" dirty="0" err="1">
+                  <a:solidFill>
+                    <a:schemeClr val="bg1"/>
+                  </a:solidFill>
+                  <a:latin typeface="+mj-ea"/>
+                </a:rPr>
+                <a:t>src</a:t>
+              </a:r>
+              <a:r>
+                <a:rPr lang="en-US" altLang="ko-KR" dirty="0">
+                  <a:solidFill>
+                    <a:schemeClr val="bg1"/>
+                  </a:solidFill>
+                  <a:latin typeface="+mj-ea"/>
+                </a:rPr>
+                <a:t>/main</a:t>
+              </a:r>
+            </a:p>
+            <a:p>
+              <a:pPr algn="ctr"/>
+              <a:r>
+                <a:rPr lang="en-US" altLang="ko-KR" dirty="0">
+                  <a:solidFill>
+                    <a:schemeClr val="bg1"/>
+                  </a:solidFill>
+                  <a:latin typeface="+mj-ea"/>
+                </a:rPr>
+                <a:t>/resources</a:t>
+              </a:r>
+              <a:endParaRPr lang="ko-KR" altLang="en-US" dirty="0">
+                <a:solidFill>
+                  <a:schemeClr val="bg1"/>
+                </a:solidFill>
+                <a:latin typeface="+mj-ea"/>
+              </a:endParaRPr>
+            </a:p>
+          </p:txBody>
+        </p:sp>
+      </p:grpSp>
+      <p:sp>
+        <p:nvSpPr>
+          <p:cNvPr id="49" name="직사각형 48"/>
+          <p:cNvSpPr/>
+          <p:nvPr/>
+        </p:nvSpPr>
+        <p:spPr>
+          <a:xfrm>
+            <a:off x="6103196" y="4211588"/>
+            <a:ext cx="1588961" cy="851521"/>
+          </a:xfrm>
+          <a:prstGeom prst="rect">
+            <a:avLst/>
+          </a:prstGeom>
+          <a:solidFill>
+            <a:srgbClr val="E46A73">
+              <a:alpha val="27000"/>
+            </a:srgbClr>
+          </a:solidFill>
+          <a:ln>
+            <a:noFill/>
+          </a:ln>
+        </p:spPr>
+        <p:style>
+          <a:lnRef idx="2">
+            <a:schemeClr val="accent1">
+              <a:shade val="50000"/>
+            </a:schemeClr>
+          </a:lnRef>
+          <a:fillRef idx="1">
+            <a:schemeClr val="accent1"/>
+          </a:fillRef>
+          <a:effectRef idx="0">
+            <a:schemeClr val="accent1"/>
+          </a:effectRef>
+          <a:fontRef idx="minor">
+            <a:schemeClr val="lt1"/>
+          </a:fontRef>
+        </p:style>
+        <p:txBody>
+          <a:bodyPr rtlCol="0" anchor="ctr"/>
+          <a:lstStyle/>
+          <a:p>
+            <a:pPr algn="ctr"/>
+            <a:endParaRPr lang="ko-KR" altLang="en-US"/>
+          </a:p>
+        </p:txBody>
+      </p:sp>
+      <p:sp>
+        <p:nvSpPr>
+          <p:cNvPr id="50" name="TextBox 49"/>
+          <p:cNvSpPr txBox="1"/>
+          <p:nvPr/>
+        </p:nvSpPr>
+        <p:spPr>
+          <a:xfrm>
+            <a:off x="6263313" y="4314182"/>
+            <a:ext cx="1183722" cy="646331"/>
+          </a:xfrm>
+          <a:prstGeom prst="rect">
+            <a:avLst/>
+          </a:prstGeom>
+          <a:noFill/>
+        </p:spPr>
+        <p:txBody>
+          <a:bodyPr wrap="none" rtlCol="0">
+            <a:spAutoFit/>
+          </a:bodyPr>
+          <a:lstStyle/>
+          <a:p>
+            <a:pPr algn="ctr"/>
+            <a:r>
+              <a:rPr lang="en-US" altLang="ko-KR" dirty="0" err="1">
+                <a:solidFill>
+                  <a:schemeClr val="bg1"/>
+                </a:solidFill>
+                <a:latin typeface="+mj-ea"/>
+              </a:rPr>
+              <a:t>src</a:t>
+            </a:r>
+            <a:r>
+              <a:rPr lang="en-US" altLang="ko-KR" dirty="0">
+                <a:solidFill>
+                  <a:schemeClr val="bg1"/>
+                </a:solidFill>
+                <a:latin typeface="+mj-ea"/>
+              </a:rPr>
+              <a:t>/main</a:t>
+            </a:r>
+          </a:p>
+          <a:p>
+            <a:pPr algn="ctr"/>
+            <a:r>
+              <a:rPr lang="en-US" altLang="ko-KR" dirty="0">
+                <a:solidFill>
+                  <a:schemeClr val="bg1"/>
+                </a:solidFill>
+                <a:latin typeface="+mj-ea"/>
+              </a:rPr>
+              <a:t>/</a:t>
+            </a:r>
+            <a:r>
+              <a:rPr lang="en-US" altLang="ko-KR" dirty="0" smtClean="0">
+                <a:solidFill>
+                  <a:schemeClr val="bg1"/>
+                </a:solidFill>
+                <a:latin typeface="+mj-ea"/>
+              </a:rPr>
+              <a:t>web app</a:t>
+            </a:r>
+            <a:endParaRPr lang="ko-KR" altLang="en-US" dirty="0">
+              <a:solidFill>
+                <a:schemeClr val="bg1"/>
+              </a:solidFill>
+              <a:latin typeface="+mj-ea"/>
+            </a:endParaRPr>
+          </a:p>
+        </p:txBody>
+      </p:sp>
+      <p:pic>
+        <p:nvPicPr>
+          <p:cNvPr id="51" name="그림 50">
+            <a:extLst>
+              <a:ext uri="{FF2B5EF4-FFF2-40B4-BE49-F238E27FC236}">
+                <a16:creationId xmlns:a16="http://schemas.microsoft.com/office/drawing/2014/main" xmlns="" id="{8273479C-9A3A-45E3-82FE-9E24F92683FC}"/>
+              </a:ext>
+            </a:extLst>
+          </p:cNvPr>
+          <p:cNvPicPr>
+            <a:picLocks noChangeAspect="1"/>
+          </p:cNvPicPr>
+          <p:nvPr/>
+        </p:nvPicPr>
+        <p:blipFill>
+          <a:blip r:embed="rId7"/>
+          <a:stretch>
+            <a:fillRect/>
+          </a:stretch>
+        </p:blipFill>
+        <p:spPr>
+          <a:xfrm>
+            <a:off x="7820306" y="4077414"/>
+            <a:ext cx="1647824" cy="2473449"/>
+          </a:xfrm>
+          <a:prstGeom prst="rect">
+            <a:avLst/>
+          </a:prstGeom>
+          <a:ln w="19050">
+            <a:solidFill>
+              <a:srgbClr val="F8B2A3"/>
+            </a:solidFill>
+          </a:ln>
+        </p:spPr>
+      </p:pic>
+      <p:pic>
+        <p:nvPicPr>
+          <p:cNvPr id="52" name="그림 51">
+            <a:extLst>
+              <a:ext uri="{FF2B5EF4-FFF2-40B4-BE49-F238E27FC236}">
+                <a16:creationId xmlns:a16="http://schemas.microsoft.com/office/drawing/2014/main" xmlns="" id="{04A38D3F-4F75-4C57-B5BB-9377483634CC}"/>
+              </a:ext>
+            </a:extLst>
+          </p:cNvPr>
+          <p:cNvPicPr>
+            <a:picLocks noChangeAspect="1"/>
+          </p:cNvPicPr>
+          <p:nvPr/>
+        </p:nvPicPr>
+        <p:blipFill>
+          <a:blip r:embed="rId8"/>
+          <a:stretch>
+            <a:fillRect/>
+          </a:stretch>
+        </p:blipFill>
+        <p:spPr>
+          <a:xfrm>
+            <a:off x="3142861" y="4121568"/>
+            <a:ext cx="1647825" cy="2390775"/>
+          </a:xfrm>
+          <a:prstGeom prst="rect">
+            <a:avLst/>
+          </a:prstGeom>
+          <a:ln w="19050">
+            <a:solidFill>
+              <a:srgbClr val="F8B2A3"/>
+            </a:solidFill>
+          </a:ln>
+        </p:spPr>
+      </p:pic>
+      <p:sp>
+        <p:nvSpPr>
+          <p:cNvPr id="53" name="TextBox 52"/>
+          <p:cNvSpPr txBox="1"/>
+          <p:nvPr/>
+        </p:nvSpPr>
+        <p:spPr>
+          <a:xfrm>
+            <a:off x="1564283" y="5314138"/>
+            <a:ext cx="1416383" cy="276999"/>
+          </a:xfrm>
+          <a:prstGeom prst="rect">
+            <a:avLst/>
+          </a:prstGeom>
+          <a:noFill/>
+        </p:spPr>
+        <p:txBody>
+          <a:bodyPr wrap="square" rtlCol="0">
+            <a:spAutoFit/>
+          </a:bodyPr>
+          <a:lstStyle>
+            <a:defPPr>
+              <a:defRPr lang="ko-KR"/>
+            </a:defPPr>
+            <a:lvl1pPr>
+              <a:defRPr sz="1200">
+                <a:ln>
+                  <a:solidFill>
+                    <a:schemeClr val="accent1">
+                      <a:alpha val="0"/>
+                    </a:schemeClr>
+                  </a:solidFill>
+                </a:ln>
+                <a:solidFill>
+                  <a:schemeClr val="tx1">
+                    <a:lumMod val="85000"/>
+                    <a:lumOff val="15000"/>
+                  </a:schemeClr>
+                </a:solidFill>
+                <a:latin typeface="나눔스퀘어 Light" panose="020B0600000101010101" pitchFamily="50" charset="-127"/>
+                <a:ea typeface="나눔스퀘어 Light" panose="020B0600000101010101" pitchFamily="50" charset="-127"/>
+              </a:defRPr>
+            </a:lvl1pPr>
+          </a:lstStyle>
+          <a:p>
+            <a:pPr algn="ctr"/>
+            <a:r>
+              <a:rPr lang="en-US" altLang="ko-KR" dirty="0"/>
+              <a:t>resource </a:t>
+            </a:r>
+            <a:r>
+              <a:rPr lang="ko-KR" altLang="en-US" dirty="0"/>
+              <a:t>파일 위치</a:t>
+            </a:r>
+            <a:endParaRPr lang="ko-KR" altLang="en-US" dirty="0"/>
+          </a:p>
+        </p:txBody>
+      </p:sp>
+      <p:sp>
+        <p:nvSpPr>
+          <p:cNvPr id="54" name="TextBox 53"/>
+          <p:cNvSpPr txBox="1"/>
+          <p:nvPr/>
+        </p:nvSpPr>
+        <p:spPr>
+          <a:xfrm>
+            <a:off x="6203927" y="5314138"/>
+            <a:ext cx="1416383" cy="646331"/>
+          </a:xfrm>
+          <a:prstGeom prst="rect">
+            <a:avLst/>
+          </a:prstGeom>
+          <a:noFill/>
+        </p:spPr>
+        <p:txBody>
+          <a:bodyPr wrap="square" rtlCol="0">
+            <a:spAutoFit/>
+          </a:bodyPr>
+          <a:lstStyle>
+            <a:defPPr>
+              <a:defRPr lang="ko-KR"/>
+            </a:defPPr>
+            <a:lvl1pPr>
+              <a:defRPr sz="1200">
+                <a:ln>
+                  <a:solidFill>
+                    <a:schemeClr val="accent1">
+                      <a:alpha val="0"/>
+                    </a:schemeClr>
+                  </a:solidFill>
+                </a:ln>
+                <a:solidFill>
+                  <a:schemeClr val="tx1">
+                    <a:lumMod val="85000"/>
+                    <a:lumOff val="15000"/>
+                  </a:schemeClr>
+                </a:solidFill>
+                <a:latin typeface="나눔스퀘어 Light" panose="020B0600000101010101" pitchFamily="50" charset="-127"/>
+                <a:ea typeface="나눔스퀘어 Light" panose="020B0600000101010101" pitchFamily="50" charset="-127"/>
+              </a:defRPr>
+            </a:lvl1pPr>
+          </a:lstStyle>
+          <a:p>
+            <a:pPr algn="ctr"/>
+            <a:r>
+              <a:rPr lang="en-US" altLang="ko-KR" dirty="0"/>
+              <a:t>WEB-INF</a:t>
+            </a:r>
+            <a:r>
+              <a:rPr lang="ko-KR" altLang="en-US" dirty="0"/>
+              <a:t> 등</a:t>
+            </a:r>
+            <a:endParaRPr lang="en-US" altLang="ko-KR" dirty="0"/>
+          </a:p>
+          <a:p>
+            <a:pPr algn="ctr"/>
+            <a:r>
+              <a:rPr lang="ko-KR" altLang="en-US" dirty="0"/>
+              <a:t>웹 애플리케이션</a:t>
+            </a:r>
+            <a:endParaRPr lang="en-US" altLang="ko-KR" dirty="0"/>
+          </a:p>
+          <a:p>
+            <a:pPr algn="ctr"/>
+            <a:r>
+              <a:rPr lang="ko-KR" altLang="en-US" dirty="0"/>
+              <a:t>리소스 위치</a:t>
+            </a:r>
+            <a:endParaRPr lang="ko-KR" altLang="en-US" dirty="0"/>
+          </a:p>
+        </p:txBody>
+      </p:sp>
+    </p:spTree>
+    <p:extLst>
+      <p:ext uri="{BB962C8B-B14F-4D97-AF65-F5344CB8AC3E}">
+        <p14:creationId xmlns:p14="http://schemas.microsoft.com/office/powerpoint/2010/main" val="210362121"/>
+      </p:ext>
+    </p:extLst>
+  </p:cSld>
+  <p:clrMapOvr>
+    <a:overrideClrMapping bg1="lt1" tx1="dk1" bg2="lt2" tx2="dk2" accent1="accent1" accent2="accent2" accent3="accent3" accent4="accent4" accent5="accent5" accent6="accent6" hlink="hlink" folHlink="folHlink"/>
+  </p:clrMapOvr>
+  <p:timing>
+    <p:tnLst>
+      <p:par>
+        <p:cTn id="1" dur="indefinite" restart="never" nodeType="tmRoot"/>
+      </p:par>
+    </p:tnLst>
+  </p:timing>
+</p:sld>
+</file>
+
+<file path=ppt/slides/slide4.xml><?xml version="1.0" encoding="utf-8"?>
+<p:sld xmlns:a="http://schemas.openxmlformats.org/drawingml/2006/main" xmlns:r="http://schemas.openxmlformats.org/officeDocument/2006/relationships" xmlns:p="http://schemas.openxmlformats.org/presentationml/2006/main">
+  <p:cSld>
+    <p:bg>
+      <p:bgPr>
+        <a:solidFill>
+          <a:srgbClr val="F2F2F2"/>
+        </a:solidFill>
+        <a:effectLst/>
+      </p:bgPr>
+    </p:bg>
+    <p:spTree>
+      <p:nvGrpSpPr>
+        <p:cNvPr id="1" name=""/>
+        <p:cNvGrpSpPr/>
+        <p:nvPr/>
+      </p:nvGrpSpPr>
+      <p:grpSpPr>
+        <a:xfrm>
+          <a:off x="0" y="0"/>
+          <a:ext cx="0" cy="0"/>
+          <a:chOff x="0" y="0"/>
+          <a:chExt cx="0" cy="0"/>
+        </a:xfrm>
+      </p:grpSpPr>
+      <p:sp>
+        <p:nvSpPr>
+          <p:cNvPr id="7" name="TextBox 6"/>
+          <p:cNvSpPr txBox="1"/>
+          <p:nvPr/>
+        </p:nvSpPr>
+        <p:spPr>
+          <a:xfrm>
+            <a:off x="4853030" y="3345873"/>
+            <a:ext cx="2485938" cy="1477328"/>
+          </a:xfrm>
+          <a:prstGeom prst="rect">
+            <a:avLst/>
+          </a:prstGeom>
+          <a:noFill/>
+        </p:spPr>
+        <p:txBody>
+          <a:bodyPr wrap="none" rtlCol="0">
+            <a:spAutoFit/>
+          </a:bodyPr>
+          <a:lstStyle/>
+          <a:p>
+            <a:pPr algn="ctr"/>
+            <a:r>
+              <a:rPr lang="en-US" altLang="ko-KR" sz="9000" spc="-150" dirty="0" smtClean="0">
+                <a:ln>
+                  <a:solidFill>
+                    <a:schemeClr val="accent1">
+                      <a:alpha val="0"/>
+                    </a:schemeClr>
+                  </a:solidFill>
+                </a:ln>
+                <a:solidFill>
+                  <a:srgbClr val="E46A73">
+                    <a:alpha val="66000"/>
+                  </a:srgbClr>
+                </a:solidFill>
+                <a:latin typeface="나눔스퀘어 ExtraBold" panose="020B0600000101010101" pitchFamily="50" charset="-127"/>
+                <a:ea typeface="나눔스퀘어 ExtraBold" panose="020B0600000101010101" pitchFamily="50" charset="-127"/>
+              </a:rPr>
+              <a:t>YOU</a:t>
+            </a:r>
+            <a:endParaRPr lang="ko-KR" altLang="en-US" sz="9000" spc="-150" dirty="0">
+              <a:ln>
+                <a:solidFill>
+                  <a:schemeClr val="accent1">
+                    <a:alpha val="0"/>
+                  </a:schemeClr>
+                </a:solidFill>
+              </a:ln>
+              <a:solidFill>
+                <a:srgbClr val="E46A73">
+                  <a:alpha val="66000"/>
+                </a:srgbClr>
+              </a:solidFill>
+              <a:latin typeface="나눔스퀘어 ExtraBold" panose="020B0600000101010101" pitchFamily="50" charset="-127"/>
+              <a:ea typeface="나눔스퀘어 ExtraBold" panose="020B0600000101010101" pitchFamily="50" charset="-127"/>
+            </a:endParaRPr>
+          </a:p>
+        </p:txBody>
+      </p:sp>
+      <p:sp>
+        <p:nvSpPr>
+          <p:cNvPr id="6" name="TextBox 5"/>
+          <p:cNvSpPr txBox="1"/>
+          <p:nvPr/>
+        </p:nvSpPr>
+        <p:spPr>
+          <a:xfrm>
+            <a:off x="4109719" y="2660461"/>
+            <a:ext cx="3972562" cy="1477328"/>
+          </a:xfrm>
+          <a:prstGeom prst="rect">
+            <a:avLst/>
+          </a:prstGeom>
+          <a:noFill/>
+        </p:spPr>
+        <p:txBody>
+          <a:bodyPr wrap="none" rtlCol="0">
+            <a:spAutoFit/>
+          </a:bodyPr>
+          <a:lstStyle/>
+          <a:p>
+            <a:pPr algn="ctr"/>
+            <a:r>
+              <a:rPr lang="en-US" altLang="ko-KR" sz="9000" spc="-150" dirty="0" smtClean="0">
+                <a:ln>
+                  <a:solidFill>
+                    <a:schemeClr val="accent1">
+                      <a:alpha val="0"/>
+                    </a:schemeClr>
+                  </a:solidFill>
+                </a:ln>
+                <a:solidFill>
+                  <a:srgbClr val="529FC6">
+                    <a:alpha val="54000"/>
+                  </a:srgbClr>
+                </a:solidFill>
+                <a:latin typeface="나눔스퀘어 ExtraBold" panose="020B0600000101010101" pitchFamily="50" charset="-127"/>
+                <a:ea typeface="나눔스퀘어 ExtraBold" panose="020B0600000101010101" pitchFamily="50" charset="-127"/>
+              </a:rPr>
+              <a:t>THANK</a:t>
+            </a:r>
+            <a:endParaRPr lang="ko-KR" altLang="en-US" sz="9000" spc="-150" dirty="0">
+              <a:ln>
+                <a:solidFill>
+                  <a:schemeClr val="accent1">
+                    <a:alpha val="0"/>
+                  </a:schemeClr>
+                </a:solidFill>
+              </a:ln>
+              <a:solidFill>
+                <a:srgbClr val="529FC6">
+                  <a:alpha val="54000"/>
+                </a:srgbClr>
+              </a:solidFill>
+              <a:latin typeface="나눔스퀘어 ExtraBold" panose="020B0600000101010101" pitchFamily="50" charset="-127"/>
+              <a:ea typeface="나눔스퀘어 ExtraBold" panose="020B0600000101010101" pitchFamily="50" charset="-127"/>
+            </a:endParaRPr>
+          </a:p>
+        </p:txBody>
+      </p:sp>
+      <p:sp>
+        <p:nvSpPr>
+          <p:cNvPr id="11" name="직사각형 10"/>
+          <p:cNvSpPr/>
+          <p:nvPr/>
+        </p:nvSpPr>
+        <p:spPr>
+          <a:xfrm>
+            <a:off x="2671567" y="3252231"/>
+            <a:ext cx="93642" cy="93642"/>
+          </a:xfrm>
+          <a:prstGeom prst="rect">
+            <a:avLst/>
+          </a:prstGeom>
+          <a:solidFill>
+            <a:srgbClr val="E46A73">
+              <a:alpha val="69000"/>
+            </a:srgbClr>
+          </a:solidFill>
+          <a:ln>
+            <a:noFill/>
+          </a:ln>
+        </p:spPr>
+        <p:style>
+          <a:lnRef idx="2">
+            <a:schemeClr val="accent1">
+              <a:shade val="50000"/>
+            </a:schemeClr>
+          </a:lnRef>
+          <a:fillRef idx="1">
+            <a:schemeClr val="accent1"/>
+          </a:fillRef>
+          <a:effectRef idx="0">
+            <a:schemeClr val="accent1"/>
+          </a:effectRef>
+          <a:fontRef idx="minor">
+            <a:schemeClr val="lt1"/>
+          </a:fontRef>
+        </p:style>
+        <p:txBody>
+          <a:bodyPr rtlCol="0" anchor="ctr"/>
+          <a:lstStyle/>
+          <a:p>
+            <a:pPr algn="ctr"/>
+            <a:endParaRPr lang="ko-KR" altLang="en-US"/>
+          </a:p>
+        </p:txBody>
+      </p:sp>
+      <p:sp>
+        <p:nvSpPr>
+          <p:cNvPr id="12" name="직사각형 11"/>
+          <p:cNvSpPr/>
+          <p:nvPr/>
+        </p:nvSpPr>
+        <p:spPr>
+          <a:xfrm>
+            <a:off x="9426789" y="3250195"/>
+            <a:ext cx="93642" cy="93642"/>
+          </a:xfrm>
+          <a:prstGeom prst="rect">
+            <a:avLst/>
+          </a:prstGeom>
+          <a:solidFill>
+            <a:srgbClr val="529FC6">
+              <a:alpha val="69000"/>
+            </a:srgbClr>
+          </a:solidFill>
+          <a:ln>
+            <a:noFill/>
+          </a:ln>
+        </p:spPr>
+        <p:style>
+          <a:lnRef idx="2">
+            <a:schemeClr val="accent1">
+              <a:shade val="50000"/>
+            </a:schemeClr>
+          </a:lnRef>
+          <a:fillRef idx="1">
+            <a:schemeClr val="accent1"/>
+          </a:fillRef>
+          <a:effectRef idx="0">
+            <a:schemeClr val="accent1"/>
+          </a:effectRef>
+          <a:fontRef idx="minor">
+            <a:schemeClr val="lt1"/>
+          </a:fontRef>
+        </p:style>
+        <p:txBody>
+          <a:bodyPr rtlCol="0" anchor="ctr"/>
+          <a:lstStyle/>
+          <a:p>
+            <a:pPr algn="ctr"/>
+            <a:endParaRPr lang="ko-KR" altLang="en-US"/>
+          </a:p>
+        </p:txBody>
+      </p:sp>
+    </p:spTree>
+    <p:extLst>
+      <p:ext uri="{BB962C8B-B14F-4D97-AF65-F5344CB8AC3E}">
+        <p14:creationId xmlns:p14="http://schemas.microsoft.com/office/powerpoint/2010/main" val="2755113395"/>
+      </p:ext>
+    </p:extLst>
+  </p:cSld>
+  <p:clrMapOvr>
+    <a:overrideClrMapping bg1="lt1" tx1="dk1" bg2="lt2" tx2="dk2" accent1="accent1" accent2="accent2" accent3="accent3" accent4="accent4" accent5="accent5" accent6="accent6" hlink="hlink" folHlink="folHlink"/>
+  </p:clrMapOvr>
+  <p:timing>
+    <p:tnLst>
+      <p:par>
+        <p:cTn id="1" dur="indefinite" restart="never" nodeType="tmRoot"/>
+      </p:par>
+    </p:tnLst>
+  </p:timing>
 </p:sld>
 </file>
 
@@ -3069,9 +6428,9 @@
         <a:latin typeface="맑은 고딕" panose="020F0302020204030204"/>
         <a:ea typeface=""/>
         <a:cs typeface=""/>
-        <a:font script="Jpan" typeface="ＭＳ Ｐゴシック"/>
+        <a:font script="Jpan" typeface="Yu Gothic Light"/>
         <a:font script="Hang" typeface="맑은 고딕"/>
-        <a:font script="Hans" typeface="宋体"/>
+        <a:font script="Hans" typeface="等线 Light"/>
         <a:font script="Hant" typeface="新細明體"/>
         <a:font script="Arab" typeface="Times New Roman"/>
         <a:font script="Hebr" typeface="Times New Roman"/>
@@ -3104,9 +6463,9 @@
         <a:latin typeface="맑은 고딕" panose="020F0502020204030204"/>
         <a:ea typeface=""/>
         <a:cs typeface=""/>
-        <a:font script="Jpan" typeface="ＭＳ Ｐゴシック"/>
+        <a:font script="Jpan" typeface="Yu Gothic"/>
         <a:font script="Hang" typeface="맑은 고딕"/>
-        <a:font script="Hans" typeface="宋体"/>
+        <a:font script="Hans" typeface="等线"/>
         <a:font script="Hant" typeface="新細明體"/>
         <a:font script="Arab" typeface="Arial"/>
         <a:font script="Hebr" typeface="Arial"/>
@@ -3200,21 +6559,21 @@
             <a:schemeClr val="phClr"/>
           </a:solidFill>
           <a:prstDash val="solid"/>
-          <a:miter lim="800000"/>
+          <a:miter/>
         </a:ln>
         <a:ln w="12700" cap="flat" cmpd="sng" algn="ctr">
           <a:solidFill>
             <a:schemeClr val="phClr"/>
           </a:solidFill>
           <a:prstDash val="solid"/>
-          <a:miter lim="800000"/>
+          <a:miter/>
         </a:ln>
         <a:ln w="19050" cap="flat" cmpd="sng" algn="ctr">
           <a:solidFill>
             <a:schemeClr val="phClr"/>
           </a:solidFill>
           <a:prstDash val="solid"/>
-          <a:miter lim="800000"/>
+          <a:miter/>
         </a:ln>
       </a:lnStyleLst>
       <a:effectStyleLst>
@@ -3276,10 +6635,177 @@
   </a:themeElements>
   <a:objectDefaults/>
   <a:extraClrSchemeLst/>
-  <a:extLst>
-    <a:ext uri="{05A4C25C-085E-4340-85A3-A5531E510DB2}">
-      <thm15:themeFamily xmlns:thm15="http://schemas.microsoft.com/office/thememl/2012/main" name="Office Theme" id="{62F939B6-93AF-4DB8-9C6B-D6C7DFDC589F}" vid="{4A3C46E8-61CC-4603-A589-7422A47A8E4A}"/>
-    </a:ext>
-  </a:extLst>
 </a:theme>
+</file>
+
+<file path=ppt/theme/themeOverride1.xml><?xml version="1.0" encoding="utf-8"?>
+<a:themeOverride xmlns:a="http://schemas.openxmlformats.org/drawingml/2006/main">
+  <a:clrScheme name="Office">
+    <a:dk1>
+      <a:sysClr val="windowText" lastClr="000000"/>
+    </a:dk1>
+    <a:lt1>
+      <a:sysClr val="window" lastClr="FFFFFF"/>
+    </a:lt1>
+    <a:dk2>
+      <a:srgbClr val="44546A"/>
+    </a:dk2>
+    <a:lt2>
+      <a:srgbClr val="E7E6E6"/>
+    </a:lt2>
+    <a:accent1>
+      <a:srgbClr val="5B9BD5"/>
+    </a:accent1>
+    <a:accent2>
+      <a:srgbClr val="ED7D31"/>
+    </a:accent2>
+    <a:accent3>
+      <a:srgbClr val="A5A5A5"/>
+    </a:accent3>
+    <a:accent4>
+      <a:srgbClr val="FFC000"/>
+    </a:accent4>
+    <a:accent5>
+      <a:srgbClr val="4472C4"/>
+    </a:accent5>
+    <a:accent6>
+      <a:srgbClr val="70AD47"/>
+    </a:accent6>
+    <a:hlink>
+      <a:srgbClr val="0563C1"/>
+    </a:hlink>
+    <a:folHlink>
+      <a:srgbClr val="954F72"/>
+    </a:folHlink>
+  </a:clrScheme>
+</a:themeOverride>
+</file>
+
+<file path=ppt/theme/themeOverride2.xml><?xml version="1.0" encoding="utf-8"?>
+<a:themeOverride xmlns:a="http://schemas.openxmlformats.org/drawingml/2006/main">
+  <a:clrScheme name="Office">
+    <a:dk1>
+      <a:sysClr val="windowText" lastClr="000000"/>
+    </a:dk1>
+    <a:lt1>
+      <a:sysClr val="window" lastClr="FFFFFF"/>
+    </a:lt1>
+    <a:dk2>
+      <a:srgbClr val="44546A"/>
+    </a:dk2>
+    <a:lt2>
+      <a:srgbClr val="E7E6E6"/>
+    </a:lt2>
+    <a:accent1>
+      <a:srgbClr val="5B9BD5"/>
+    </a:accent1>
+    <a:accent2>
+      <a:srgbClr val="ED7D31"/>
+    </a:accent2>
+    <a:accent3>
+      <a:srgbClr val="A5A5A5"/>
+    </a:accent3>
+    <a:accent4>
+      <a:srgbClr val="FFC000"/>
+    </a:accent4>
+    <a:accent5>
+      <a:srgbClr val="4472C4"/>
+    </a:accent5>
+    <a:accent6>
+      <a:srgbClr val="70AD47"/>
+    </a:accent6>
+    <a:hlink>
+      <a:srgbClr val="0563C1"/>
+    </a:hlink>
+    <a:folHlink>
+      <a:srgbClr val="954F72"/>
+    </a:folHlink>
+  </a:clrScheme>
+</a:themeOverride>
+</file>
+
+<file path=ppt/theme/themeOverride3.xml><?xml version="1.0" encoding="utf-8"?>
+<a:themeOverride xmlns:a="http://schemas.openxmlformats.org/drawingml/2006/main">
+  <a:clrScheme name="Office">
+    <a:dk1>
+      <a:sysClr val="windowText" lastClr="000000"/>
+    </a:dk1>
+    <a:lt1>
+      <a:sysClr val="window" lastClr="FFFFFF"/>
+    </a:lt1>
+    <a:dk2>
+      <a:srgbClr val="44546A"/>
+    </a:dk2>
+    <a:lt2>
+      <a:srgbClr val="E7E6E6"/>
+    </a:lt2>
+    <a:accent1>
+      <a:srgbClr val="5B9BD5"/>
+    </a:accent1>
+    <a:accent2>
+      <a:srgbClr val="ED7D31"/>
+    </a:accent2>
+    <a:accent3>
+      <a:srgbClr val="A5A5A5"/>
+    </a:accent3>
+    <a:accent4>
+      <a:srgbClr val="FFC000"/>
+    </a:accent4>
+    <a:accent5>
+      <a:srgbClr val="4472C4"/>
+    </a:accent5>
+    <a:accent6>
+      <a:srgbClr val="70AD47"/>
+    </a:accent6>
+    <a:hlink>
+      <a:srgbClr val="0563C1"/>
+    </a:hlink>
+    <a:folHlink>
+      <a:srgbClr val="954F72"/>
+    </a:folHlink>
+  </a:clrScheme>
+</a:themeOverride>
+</file>
+
+<file path=ppt/theme/themeOverride4.xml><?xml version="1.0" encoding="utf-8"?>
+<a:themeOverride xmlns:a="http://schemas.openxmlformats.org/drawingml/2006/main">
+  <a:clrScheme name="Office">
+    <a:dk1>
+      <a:sysClr val="windowText" lastClr="000000"/>
+    </a:dk1>
+    <a:lt1>
+      <a:sysClr val="window" lastClr="FFFFFF"/>
+    </a:lt1>
+    <a:dk2>
+      <a:srgbClr val="44546A"/>
+    </a:dk2>
+    <a:lt2>
+      <a:srgbClr val="E7E6E6"/>
+    </a:lt2>
+    <a:accent1>
+      <a:srgbClr val="5B9BD5"/>
+    </a:accent1>
+    <a:accent2>
+      <a:srgbClr val="ED7D31"/>
+    </a:accent2>
+    <a:accent3>
+      <a:srgbClr val="A5A5A5"/>
+    </a:accent3>
+    <a:accent4>
+      <a:srgbClr val="FFC000"/>
+    </a:accent4>
+    <a:accent5>
+      <a:srgbClr val="4472C4"/>
+    </a:accent5>
+    <a:accent6>
+      <a:srgbClr val="70AD47"/>
+    </a:accent6>
+    <a:hlink>
+      <a:srgbClr val="0563C1"/>
+    </a:hlink>
+    <a:folHlink>
+      <a:srgbClr val="954F72"/>
+    </a:folHlink>
+  </a:clrScheme>
+</a:themeOverride>
 </file>